--- a/documentation/15 Advices and Notifications.pptx
+++ b/documentation/15 Advices and Notifications.pptx
@@ -5,21 +5,22 @@
     <p:sldMasterId id="2147483648" r:id="rId4"/>
   </p:sldMasterIdLst>
   <p:notesMasterIdLst>
-    <p:notesMasterId r:id="rId14"/>
+    <p:notesMasterId r:id="rId15"/>
   </p:notesMasterIdLst>
   <p:handoutMasterIdLst>
-    <p:handoutMasterId r:id="rId15"/>
+    <p:handoutMasterId r:id="rId16"/>
   </p:handoutMasterIdLst>
   <p:sldIdLst>
     <p:sldId id="256" r:id="rId5"/>
     <p:sldId id="258" r:id="rId6"/>
     <p:sldId id="261" r:id="rId7"/>
-    <p:sldId id="287" r:id="rId8"/>
-    <p:sldId id="271" r:id="rId9"/>
-    <p:sldId id="289" r:id="rId10"/>
-    <p:sldId id="290" r:id="rId11"/>
-    <p:sldId id="291" r:id="rId12"/>
-    <p:sldId id="288" r:id="rId13"/>
+    <p:sldId id="292" r:id="rId8"/>
+    <p:sldId id="288" r:id="rId9"/>
+    <p:sldId id="271" r:id="rId10"/>
+    <p:sldId id="289" r:id="rId11"/>
+    <p:sldId id="290" r:id="rId12"/>
+    <p:sldId id="291" r:id="rId13"/>
+    <p:sldId id="293" r:id="rId14"/>
   </p:sldIdLst>
   <p:sldSz cx="12192000" cy="6858000"/>
   <p:notesSz cx="6858000" cy="9144000"/>
@@ -222,7 +223,7 @@
           <a:p>
             <a:fld id="{CE53DE84-D7B3-4797-B14D-77424657396D}" type="datetimeFigureOut">
               <a:rPr lang="en-GB" smtClean="0"/>
-              <a:t>18/02/2018</a:t>
+              <a:t>21/03/2018</a:t>
             </a:fld>
             <a:endParaRPr lang="en-GB" dirty="0"/>
           </a:p>
@@ -387,7 +388,7 @@
           <a:p>
             <a:fld id="{D1C597EC-6BB0-461C-B045-D257C6C8821E}" type="datetimeFigureOut">
               <a:rPr lang="en-GB" smtClean="0"/>
-              <a:t>18/02/2018</a:t>
+              <a:t>21/03/2018</a:t>
             </a:fld>
             <a:endParaRPr lang="en-GB" dirty="0"/>
           </a:p>
@@ -718,18 +719,78 @@
           <a:bodyPr/>
           <a:lstStyle/>
           <a:p>
+            <a:pPr marL="0" marR="0" lvl="0" indent="0" algn="r" defTabSz="914400" rtl="0" eaLnBrk="1" fontAlgn="auto" latinLnBrk="0" hangingPunct="1">
+              <a:lnSpc>
+                <a:spcPct val="100000"/>
+              </a:lnSpc>
+              <a:spcBef>
+                <a:spcPts val="0"/>
+              </a:spcBef>
+              <a:spcAft>
+                <a:spcPts val="0"/>
+              </a:spcAft>
+              <a:buClrTx/>
+              <a:buSzTx/>
+              <a:buFontTx/>
+              <a:buNone/>
+              <a:tabLst/>
+              <a:defRPr/>
+            </a:pPr>
             <a:fld id="{699BB14C-7D58-4C6F-8674-35D4E28D7AD6}" type="slidenum">
-              <a:rPr lang="en-GB" smtClean="0"/>
+              <a:rPr kumimoji="0" lang="en-GB" sz="1200" b="0" i="0" u="none" strike="noStrike" kern="1200" cap="none" spc="0" normalizeH="0" baseline="0" noProof="0" smtClean="0">
+                <a:ln>
+                  <a:noFill/>
+                </a:ln>
+                <a:solidFill>
+                  <a:prstClr val="black"/>
+                </a:solidFill>
+                <a:effectLst/>
+                <a:uLnTx/>
+                <a:uFillTx/>
+                <a:latin typeface="Calibri"/>
+                <a:ea typeface="+mn-ea"/>
+                <a:cs typeface="+mn-cs"/>
+              </a:rPr>
+              <a:pPr marL="0" marR="0" lvl="0" indent="0" algn="r" defTabSz="914400" rtl="0" eaLnBrk="1" fontAlgn="auto" latinLnBrk="0" hangingPunct="1">
+                <a:lnSpc>
+                  <a:spcPct val="100000"/>
+                </a:lnSpc>
+                <a:spcBef>
+                  <a:spcPts val="0"/>
+                </a:spcBef>
+                <a:spcAft>
+                  <a:spcPts val="0"/>
+                </a:spcAft>
+                <a:buClrTx/>
+                <a:buSzTx/>
+                <a:buFontTx/>
+                <a:buNone/>
+                <a:tabLst/>
+                <a:defRPr/>
+              </a:pPr>
               <a:t>4</a:t>
             </a:fld>
-            <a:endParaRPr lang="en-GB" dirty="0"/>
+            <a:endParaRPr kumimoji="0" lang="en-GB" sz="1200" b="0" i="0" u="none" strike="noStrike" kern="1200" cap="none" spc="0" normalizeH="0" baseline="0" noProof="0" dirty="0">
+              <a:ln>
+                <a:noFill/>
+              </a:ln>
+              <a:solidFill>
+                <a:prstClr val="black"/>
+              </a:solidFill>
+              <a:effectLst/>
+              <a:uLnTx/>
+              <a:uFillTx/>
+              <a:latin typeface="Calibri"/>
+              <a:ea typeface="+mn-ea"/>
+              <a:cs typeface="+mn-cs"/>
+            </a:endParaRPr>
           </a:p>
         </p:txBody>
       </p:sp>
     </p:spTree>
     <p:extLst>
       <p:ext uri="{BB962C8B-B14F-4D97-AF65-F5344CB8AC3E}">
-        <p14:creationId xmlns:p14="http://schemas.microsoft.com/office/powerpoint/2010/main" val="2572127596"/>
+        <p14:creationId xmlns:p14="http://schemas.microsoft.com/office/powerpoint/2010/main" val="1843145510"/>
       </p:ext>
     </p:extLst>
   </p:cSld>
@@ -813,7 +874,7 @@
     </p:spTree>
     <p:extLst>
       <p:ext uri="{BB962C8B-B14F-4D97-AF65-F5344CB8AC3E}">
-        <p14:creationId xmlns:p14="http://schemas.microsoft.com/office/powerpoint/2010/main" val="2018751254"/>
+        <p14:creationId xmlns:p14="http://schemas.microsoft.com/office/powerpoint/2010/main" val="684292191"/>
       </p:ext>
     </p:extLst>
   </p:cSld>
@@ -897,7 +958,7 @@
     </p:spTree>
     <p:extLst>
       <p:ext uri="{BB962C8B-B14F-4D97-AF65-F5344CB8AC3E}">
-        <p14:creationId xmlns:p14="http://schemas.microsoft.com/office/powerpoint/2010/main" val="3356414928"/>
+        <p14:creationId xmlns:p14="http://schemas.microsoft.com/office/powerpoint/2010/main" val="2018751254"/>
       </p:ext>
     </p:extLst>
   </p:cSld>
@@ -981,7 +1042,7 @@
     </p:spTree>
     <p:extLst>
       <p:ext uri="{BB962C8B-B14F-4D97-AF65-F5344CB8AC3E}">
-        <p14:creationId xmlns:p14="http://schemas.microsoft.com/office/powerpoint/2010/main" val="2039420574"/>
+        <p14:creationId xmlns:p14="http://schemas.microsoft.com/office/powerpoint/2010/main" val="3356414928"/>
       </p:ext>
     </p:extLst>
   </p:cSld>
@@ -1065,7 +1126,7 @@
     </p:spTree>
     <p:extLst>
       <p:ext uri="{BB962C8B-B14F-4D97-AF65-F5344CB8AC3E}">
-        <p14:creationId xmlns:p14="http://schemas.microsoft.com/office/powerpoint/2010/main" val="1709521709"/>
+        <p14:creationId xmlns:p14="http://schemas.microsoft.com/office/powerpoint/2010/main" val="2039420574"/>
       </p:ext>
     </p:extLst>
   </p:cSld>
@@ -1149,7 +1210,91 @@
     </p:spTree>
     <p:extLst>
       <p:ext uri="{BB962C8B-B14F-4D97-AF65-F5344CB8AC3E}">
-        <p14:creationId xmlns:p14="http://schemas.microsoft.com/office/powerpoint/2010/main" val="684292191"/>
+        <p14:creationId xmlns:p14="http://schemas.microsoft.com/office/powerpoint/2010/main" val="1709521709"/>
+      </p:ext>
+    </p:extLst>
+  </p:cSld>
+  <p:clrMapOvr>
+    <a:masterClrMapping/>
+  </p:clrMapOvr>
+</p:notes>
+</file>
+
+<file path=ppt/notesSlides/notesSlide7.xml><?xml version="1.0" encoding="utf-8"?>
+<p:notes xmlns:a="http://schemas.openxmlformats.org/drawingml/2006/main" xmlns:r="http://schemas.openxmlformats.org/officeDocument/2006/relationships" xmlns:p="http://schemas.openxmlformats.org/presentationml/2006/main">
+  <p:cSld>
+    <p:spTree>
+      <p:nvGrpSpPr>
+        <p:cNvPr id="1" name=""/>
+        <p:cNvGrpSpPr/>
+        <p:nvPr/>
+      </p:nvGrpSpPr>
+      <p:grpSpPr>
+        <a:xfrm>
+          <a:off x="0" y="0"/>
+          <a:ext cx="0" cy="0"/>
+          <a:chOff x="0" y="0"/>
+          <a:chExt cx="0" cy="0"/>
+        </a:xfrm>
+      </p:grpSpPr>
+      <p:sp>
+        <p:nvSpPr>
+          <p:cNvPr id="2" name="Slide Image Placeholder 1"/>
+          <p:cNvSpPr>
+            <a:spLocks noGrp="1" noRot="1" noChangeAspect="1"/>
+          </p:cNvSpPr>
+          <p:nvPr>
+            <p:ph type="sldImg"/>
+          </p:nvPr>
+        </p:nvSpPr>
+        <p:spPr/>
+      </p:sp>
+      <p:sp>
+        <p:nvSpPr>
+          <p:cNvPr id="3" name="Notes Placeholder 2"/>
+          <p:cNvSpPr>
+            <a:spLocks noGrp="1"/>
+          </p:cNvSpPr>
+          <p:nvPr>
+            <p:ph type="body" idx="1"/>
+          </p:nvPr>
+        </p:nvSpPr>
+        <p:spPr/>
+        <p:txBody>
+          <a:bodyPr/>
+          <a:lstStyle/>
+          <a:p>
+            <a:endParaRPr lang="en-GB" dirty="0"/>
+          </a:p>
+        </p:txBody>
+      </p:sp>
+      <p:sp>
+        <p:nvSpPr>
+          <p:cNvPr id="4" name="Slide Number Placeholder 3"/>
+          <p:cNvSpPr>
+            <a:spLocks noGrp="1"/>
+          </p:cNvSpPr>
+          <p:nvPr>
+            <p:ph type="sldNum" sz="quarter" idx="10"/>
+          </p:nvPr>
+        </p:nvSpPr>
+        <p:spPr/>
+        <p:txBody>
+          <a:bodyPr/>
+          <a:lstStyle/>
+          <a:p>
+            <a:fld id="{699BB14C-7D58-4C6F-8674-35D4E28D7AD6}" type="slidenum">
+              <a:rPr lang="en-GB" smtClean="0"/>
+              <a:t>10</a:t>
+            </a:fld>
+            <a:endParaRPr lang="en-GB" dirty="0"/>
+          </a:p>
+        </p:txBody>
+      </p:sp>
+    </p:spTree>
+    <p:extLst>
+      <p:ext uri="{BB962C8B-B14F-4D97-AF65-F5344CB8AC3E}">
+        <p14:creationId xmlns:p14="http://schemas.microsoft.com/office/powerpoint/2010/main" val="3882443689"/>
       </p:ext>
     </p:extLst>
   </p:cSld>
@@ -1577,7 +1722,7 @@
           <a:p>
             <a:fld id="{22E7AA2F-F619-4723-B6E7-545F24B9918D}" type="datetime4">
               <a:rPr lang="en-GB" smtClean="0"/>
-              <a:t>18 February 2018</a:t>
+              <a:t>21 March 2018</a:t>
             </a:fld>
             <a:endParaRPr lang="en-GB" dirty="0"/>
           </a:p>
@@ -1781,7 +1926,7 @@
           <a:p>
             <a:fld id="{2A4201E0-34F3-46A7-AE44-D99163B13904}" type="datetime4">
               <a:rPr lang="en-GB" smtClean="0"/>
-              <a:t>18 February 2018</a:t>
+              <a:t>21 March 2018</a:t>
             </a:fld>
             <a:endParaRPr lang="en-GB" dirty="0"/>
           </a:p>
@@ -2029,7 +2174,7 @@
           <a:p>
             <a:fld id="{4FAE0867-24A8-448F-B507-CC8586AA6B96}" type="datetime4">
               <a:rPr lang="en-GB" smtClean="0"/>
-              <a:t>18 February 2018</a:t>
+              <a:t>21 March 2018</a:t>
             </a:fld>
             <a:endParaRPr lang="en-GB" dirty="0"/>
           </a:p>
@@ -2213,7 +2358,7 @@
           <a:p>
             <a:fld id="{54BE1DED-F17D-40BA-964F-A1C8DEDCEF61}" type="datetime4">
               <a:rPr lang="en-GB" smtClean="0"/>
-              <a:t>18 February 2018</a:t>
+              <a:t>21 March 2018</a:t>
             </a:fld>
             <a:endParaRPr lang="en-GB" dirty="0"/>
           </a:p>
@@ -2589,7 +2734,7 @@
             <a:fld id="{D9FBC6CA-9941-44FF-B65D-C7A23CB5A4BE}" type="datetime4">
               <a:rPr lang="en-GB" smtClean="0"/>
               <a:pPr/>
-              <a:t>18 February 2018</a:t>
+              <a:t>21 March 2018</a:t>
             </a:fld>
             <a:endParaRPr lang="en-GB" dirty="0"/>
           </a:p>
@@ -2775,7 +2920,7 @@
           <a:p>
             <a:fld id="{D473304B-F8FC-4BC7-8FE8-C50BC87E1FAB}" type="datetime4">
               <a:rPr lang="en-GB" smtClean="0"/>
-              <a:t>18 February 2018</a:t>
+              <a:t>21 March 2018</a:t>
             </a:fld>
             <a:endParaRPr lang="en-GB" dirty="0"/>
           </a:p>
@@ -2870,7 +3015,7 @@
           <a:p>
             <a:fld id="{D3D7C3DF-C1B2-4C30-9BDA-F5EE790E7213}" type="datetime4">
               <a:rPr lang="en-GB" smtClean="0"/>
-              <a:t>18 February 2018</a:t>
+              <a:t>21 March 2018</a:t>
             </a:fld>
             <a:endParaRPr lang="en-GB" dirty="0"/>
           </a:p>
@@ -3095,7 +3240,7 @@
           <a:p>
             <a:fld id="{7A1E630C-C3F3-4A66-A20B-F3CE4CC3331D}" type="datetime4">
               <a:rPr lang="en-GB" smtClean="0"/>
-              <a:t>18 February 2018</a:t>
+              <a:t>21 March 2018</a:t>
             </a:fld>
             <a:endParaRPr lang="en-GB" dirty="0"/>
           </a:p>
@@ -3729,7 +3874,7 @@
           <a:p>
             <a:fld id="{D22C19FE-D082-4640-BFED-203C0E583774}" type="datetime4">
               <a:rPr lang="en-GB" smtClean="0"/>
-              <a:t>18 February 2018</a:t>
+              <a:t>21 March 2018</a:t>
             </a:fld>
             <a:endParaRPr lang="en-GB" dirty="0"/>
           </a:p>
@@ -4372,6 +4517,156 @@
 </p:sld>
 </file>
 
+<file path=ppt/slides/slide10.xml><?xml version="1.0" encoding="utf-8"?>
+<p:sld xmlns:a="http://schemas.openxmlformats.org/drawingml/2006/main" xmlns:r="http://schemas.openxmlformats.org/officeDocument/2006/relationships" xmlns:p="http://schemas.openxmlformats.org/presentationml/2006/main">
+  <p:cSld>
+    <p:spTree>
+      <p:nvGrpSpPr>
+        <p:cNvPr id="1" name=""/>
+        <p:cNvGrpSpPr/>
+        <p:nvPr/>
+      </p:nvGrpSpPr>
+      <p:grpSpPr>
+        <a:xfrm>
+          <a:off x="0" y="0"/>
+          <a:ext cx="0" cy="0"/>
+          <a:chOff x="0" y="0"/>
+          <a:chExt cx="0" cy="0"/>
+        </a:xfrm>
+      </p:grpSpPr>
+      <p:sp>
+        <p:nvSpPr>
+          <p:cNvPr id="2" name="Title 1"/>
+          <p:cNvSpPr>
+            <a:spLocks noGrp="1"/>
+          </p:cNvSpPr>
+          <p:nvPr>
+            <p:ph type="ctrTitle"/>
+          </p:nvPr>
+        </p:nvSpPr>
+        <p:spPr/>
+        <p:txBody>
+          <a:bodyPr/>
+          <a:lstStyle/>
+          <a:p>
+            <a:r>
+              <a:rPr lang="en-GB" dirty="0" smtClean="0"/>
+              <a:t>Thank you</a:t>
+            </a:r>
+            <a:endParaRPr lang="en-GB" dirty="0"/>
+          </a:p>
+        </p:txBody>
+      </p:sp>
+      <p:sp>
+        <p:nvSpPr>
+          <p:cNvPr id="3" name="Subtitle 2"/>
+          <p:cNvSpPr>
+            <a:spLocks noGrp="1"/>
+          </p:cNvSpPr>
+          <p:nvPr>
+            <p:ph type="subTitle" idx="1"/>
+          </p:nvPr>
+        </p:nvSpPr>
+        <p:spPr/>
+        <p:txBody>
+          <a:bodyPr/>
+          <a:lstStyle/>
+          <a:p>
+            <a:r>
+              <a:rPr lang="en-GB" dirty="0" smtClean="0"/>
+              <a:t>Alex Perman</a:t>
+            </a:r>
+          </a:p>
+          <a:p>
+            <a:r>
+              <a:rPr lang="en-GB" b="0" dirty="0" smtClean="0"/>
+              <a:t>Integration Team</a:t>
+            </a:r>
+            <a:endParaRPr lang="en-GB" b="0" dirty="0"/>
+          </a:p>
+        </p:txBody>
+      </p:sp>
+      <p:sp>
+        <p:nvSpPr>
+          <p:cNvPr id="4" name="Date Placeholder 3"/>
+          <p:cNvSpPr>
+            <a:spLocks noGrp="1"/>
+          </p:cNvSpPr>
+          <p:nvPr>
+            <p:ph type="dt" sz="half" idx="10"/>
+          </p:nvPr>
+        </p:nvSpPr>
+        <p:spPr/>
+        <p:txBody>
+          <a:bodyPr/>
+          <a:lstStyle/>
+          <a:p>
+            <a:fld id="{D98A2CEC-3088-437B-B321-33BEC7D93FCD}" type="datetime4">
+              <a:rPr lang="en-GB" smtClean="0"/>
+              <a:pPr/>
+              <a:t>21 March 2018</a:t>
+            </a:fld>
+            <a:endParaRPr lang="en-GB" dirty="0"/>
+          </a:p>
+        </p:txBody>
+      </p:sp>
+      <p:sp>
+        <p:nvSpPr>
+          <p:cNvPr id="8" name="Text Placeholder 7"/>
+          <p:cNvSpPr>
+            <a:spLocks noGrp="1"/>
+          </p:cNvSpPr>
+          <p:nvPr>
+            <p:ph type="body" sz="quarter" idx="11"/>
+          </p:nvPr>
+        </p:nvSpPr>
+        <p:spPr/>
+        <p:txBody>
+          <a:bodyPr/>
+          <a:lstStyle/>
+          <a:p>
+            <a:r>
+              <a:rPr lang="en-GB" dirty="0" smtClean="0"/>
+              <a:t>alexander.perman@finastra.com</a:t>
+            </a:r>
+          </a:p>
+          <a:p>
+            <a:endParaRPr lang="en-GB" dirty="0"/>
+          </a:p>
+        </p:txBody>
+      </p:sp>
+    </p:spTree>
+    <p:extLst>
+      <p:ext uri="{BB962C8B-B14F-4D97-AF65-F5344CB8AC3E}">
+        <p14:creationId xmlns:p14="http://schemas.microsoft.com/office/powerpoint/2010/main" val="3310871497"/>
+      </p:ext>
+    </p:extLst>
+  </p:cSld>
+  <p:clrMapOvr>
+    <a:masterClrMapping/>
+  </p:clrMapOvr>
+  <mc:AlternateContent xmlns:mc="http://schemas.openxmlformats.org/markup-compatibility/2006" xmlns:p14="http://schemas.microsoft.com/office/powerpoint/2010/main">
+    <mc:Choice Requires="p14">
+      <p:transition spd="med" p14:dur="700">
+        <p:fade/>
+      </p:transition>
+    </mc:Choice>
+    <mc:Fallback xmlns="">
+      <p:transition spd="med">
+        <p:fade/>
+      </p:transition>
+    </mc:Fallback>
+  </mc:AlternateContent>
+  <p:timing>
+    <p:tnLst>
+      <p:par>
+        <p:cTn id="1" dur="indefinite" restart="never" nodeType="tmRoot"/>
+      </p:par>
+    </p:tnLst>
+  </p:timing>
+</p:sld>
+</file>
+
 <file path=ppt/slides/slide2.xml><?xml version="1.0" encoding="utf-8"?>
 <p:sld xmlns:a="http://schemas.openxmlformats.org/drawingml/2006/main" xmlns:r="http://schemas.openxmlformats.org/officeDocument/2006/relationships" xmlns:p="http://schemas.openxmlformats.org/presentationml/2006/main">
   <p:cSld>
@@ -4484,7 +4779,7 @@
           <a:p>
             <a:fld id="{6096F0BA-ECEE-44D1-ABE9-40C67B221300}" type="datetime4">
               <a:rPr lang="en-GB" smtClean="0"/>
-              <a:t>18 February 2018</a:t>
+              <a:t>21 March 2018</a:t>
             </a:fld>
             <a:endParaRPr lang="en-GB" dirty="0"/>
           </a:p>
@@ -4603,8 +4898,8 @@
         </p:nvSpPr>
         <p:spPr>
           <a:xfrm>
-            <a:off x="1412631" y="1737809"/>
-            <a:ext cx="8198568" cy="3857700"/>
+            <a:off x="1412630" y="1737809"/>
+            <a:ext cx="9178430" cy="2381430"/>
           </a:xfrm>
         </p:spPr>
         <p:txBody>
@@ -4612,12 +4907,12 @@
           <a:lstStyle/>
           <a:p>
             <a:r>
+              <a:rPr lang="en-US" sz="3200" dirty="0" smtClean="0"/>
+              <a:t>During the </a:t>
+            </a:r>
+            <a:r>
               <a:rPr lang="en-US" sz="3200" dirty="0"/>
-              <a:t>The customer payment status report message is sent by the bank to the initiating party in the payment chain. It is used to inform the initiating party about a positive or negative status of an instruction (either single or file). It is also used to report on a pending </a:t>
-            </a:r>
-            <a:r>
-              <a:rPr lang="en-US" sz="3200" dirty="0" smtClean="0"/>
-              <a:t>instruction</a:t>
+              <a:t>various stages of payment processing, the Notification and Advice Determination and Generation-related services are invoked as part of the flow management. </a:t>
             </a:r>
             <a:r>
               <a:rPr lang="en-GB" dirty="0" smtClean="0">
@@ -4627,11 +4922,6 @@
               </a:rPr>
               <a:t>”</a:t>
             </a:r>
-            <a:endParaRPr lang="en-GB" dirty="0" smtClean="0">
-              <a:solidFill>
-                <a:schemeClr val="accent1"/>
-              </a:solidFill>
-            </a:endParaRPr>
           </a:p>
         </p:txBody>
       </p:sp>
@@ -4653,7 +4943,7 @@
             <a:fld id="{014A5046-EA5E-455B-A3BC-352818629394}" type="datetime4">
               <a:rPr lang="en-GB" smtClean="0"/>
               <a:pPr/>
-              <a:t>18 February 2018</a:t>
+              <a:t>21 March 2018</a:t>
             </a:fld>
             <a:endParaRPr lang="en-GB" dirty="0"/>
           </a:p>
@@ -4748,8 +5038,8 @@
           <a:lstStyle/>
           <a:p>
             <a:r>
-              <a:rPr lang="en-US" dirty="0"/>
-              <a:t>Advising – Transaction Information Notification</a:t>
+              <a:rPr lang="en-US" dirty="0" smtClean="0"/>
+              <a:t>Advising Interface</a:t>
             </a:r>
             <a:endParaRPr lang="en-GB" dirty="0"/>
           </a:p>
@@ -4770,12 +5060,71 @@
           <a:bodyPr/>
           <a:lstStyle/>
           <a:p>
+            <a:pPr marL="0" marR="0" lvl="0" indent="0" algn="l" defTabSz="914400" rtl="0" eaLnBrk="1" fontAlgn="auto" latinLnBrk="0" hangingPunct="1">
+              <a:lnSpc>
+                <a:spcPct val="100000"/>
+              </a:lnSpc>
+              <a:spcBef>
+                <a:spcPts val="0"/>
+              </a:spcBef>
+              <a:spcAft>
+                <a:spcPts val="0"/>
+              </a:spcAft>
+              <a:buClrTx/>
+              <a:buSzTx/>
+              <a:buFontTx/>
+              <a:buNone/>
+              <a:tabLst/>
+              <a:defRPr/>
+            </a:pPr>
             <a:fld id="{BC3F1638-3586-4527-A760-38AC15BFC248}" type="datetime4">
-              <a:rPr lang="en-GB" smtClean="0"/>
-              <a:pPr/>
-              <a:t>19 February 2018</a:t>
+              <a:rPr kumimoji="0" lang="en-GB" sz="800" b="0" i="0" u="none" strike="noStrike" kern="1200" cap="none" spc="0" normalizeH="0" baseline="0" noProof="0" smtClean="0">
+                <a:ln>
+                  <a:noFill/>
+                </a:ln>
+                <a:solidFill>
+                  <a:srgbClr val="414141"/>
+                </a:solidFill>
+                <a:effectLst/>
+                <a:uLnTx/>
+                <a:uFillTx/>
+                <a:latin typeface="Arial"/>
+                <a:ea typeface="+mn-ea"/>
+                <a:cs typeface="+mn-cs"/>
+              </a:rPr>
+              <a:pPr marL="0" marR="0" lvl="0" indent="0" algn="l" defTabSz="914400" rtl="0" eaLnBrk="1" fontAlgn="auto" latinLnBrk="0" hangingPunct="1">
+                <a:lnSpc>
+                  <a:spcPct val="100000"/>
+                </a:lnSpc>
+                <a:spcBef>
+                  <a:spcPts val="0"/>
+                </a:spcBef>
+                <a:spcAft>
+                  <a:spcPts val="0"/>
+                </a:spcAft>
+                <a:buClrTx/>
+                <a:buSzTx/>
+                <a:buFontTx/>
+                <a:buNone/>
+                <a:tabLst/>
+                <a:defRPr/>
+              </a:pPr>
+              <a:t>21 March 2018</a:t>
             </a:fld>
-            <a:endParaRPr lang="en-GB" dirty="0"/>
+            <a:endParaRPr kumimoji="0" lang="en-GB" sz="800" b="0" i="0" u="none" strike="noStrike" kern="1200" cap="none" spc="0" normalizeH="0" baseline="0" noProof="0" dirty="0">
+              <a:ln>
+                <a:noFill/>
+              </a:ln>
+              <a:solidFill>
+                <a:srgbClr val="414141"/>
+              </a:solidFill>
+              <a:effectLst/>
+              <a:uLnTx/>
+              <a:uFillTx/>
+              <a:latin typeface="Arial"/>
+              <a:ea typeface="+mn-ea"/>
+              <a:cs typeface="+mn-cs"/>
+            </a:endParaRPr>
           </a:p>
         </p:txBody>
       </p:sp>
@@ -4794,31 +5143,1777 @@
           <a:bodyPr/>
           <a:lstStyle/>
           <a:p>
+            <a:pPr marL="0" marR="0" lvl="0" indent="0" algn="r" defTabSz="914400" rtl="0" eaLnBrk="1" fontAlgn="auto" latinLnBrk="0" hangingPunct="1">
+              <a:lnSpc>
+                <a:spcPct val="100000"/>
+              </a:lnSpc>
+              <a:spcBef>
+                <a:spcPts val="0"/>
+              </a:spcBef>
+              <a:spcAft>
+                <a:spcPts val="0"/>
+              </a:spcAft>
+              <a:buClrTx/>
+              <a:buSzTx/>
+              <a:buFontTx/>
+              <a:buNone/>
+              <a:tabLst/>
+              <a:defRPr/>
+            </a:pPr>
             <a:fld id="{04095909-DC86-4C28-AD6E-431C997D4893}" type="slidenum">
-              <a:rPr lang="en-GB" smtClean="0"/>
-              <a:pPr/>
+              <a:rPr kumimoji="0" lang="en-GB" sz="800" b="0" i="0" u="none" strike="noStrike" kern="1200" cap="none" spc="0" normalizeH="0" baseline="0" noProof="0" smtClean="0">
+                <a:ln>
+                  <a:noFill/>
+                </a:ln>
+                <a:solidFill>
+                  <a:srgbClr val="414141"/>
+                </a:solidFill>
+                <a:effectLst/>
+                <a:uLnTx/>
+                <a:uFillTx/>
+                <a:latin typeface="Arial"/>
+                <a:ea typeface="+mn-ea"/>
+                <a:cs typeface="+mn-cs"/>
+              </a:rPr>
+              <a:pPr marL="0" marR="0" lvl="0" indent="0" algn="r" defTabSz="914400" rtl="0" eaLnBrk="1" fontAlgn="auto" latinLnBrk="0" hangingPunct="1">
+                <a:lnSpc>
+                  <a:spcPct val="100000"/>
+                </a:lnSpc>
+                <a:spcBef>
+                  <a:spcPts val="0"/>
+                </a:spcBef>
+                <a:spcAft>
+                  <a:spcPts val="0"/>
+                </a:spcAft>
+                <a:buClrTx/>
+                <a:buSzTx/>
+                <a:buFontTx/>
+                <a:buNone/>
+                <a:tabLst/>
+                <a:defRPr/>
+              </a:pPr>
               <a:t>4</a:t>
             </a:fld>
-            <a:endParaRPr lang="en-GB" dirty="0"/>
-          </a:p>
-        </p:txBody>
-      </p:sp>
-      <p:sp>
-        <p:nvSpPr>
-          <p:cNvPr id="7" name="Rectangle 6"/>
-          <p:cNvSpPr/>
+            <a:endParaRPr kumimoji="0" lang="en-GB" sz="800" b="0" i="0" u="none" strike="noStrike" kern="1200" cap="none" spc="0" normalizeH="0" baseline="0" noProof="0" dirty="0">
+              <a:ln>
+                <a:noFill/>
+              </a:ln>
+              <a:solidFill>
+                <a:srgbClr val="414141"/>
+              </a:solidFill>
+              <a:effectLst/>
+              <a:uLnTx/>
+              <a:uFillTx/>
+              <a:latin typeface="Arial"/>
+              <a:ea typeface="+mn-ea"/>
+              <a:cs typeface="+mn-cs"/>
+            </a:endParaRPr>
+          </a:p>
+        </p:txBody>
+      </p:sp>
+      <p:sp>
+        <p:nvSpPr>
+          <p:cNvPr id="9" name="TextBox 8"/>
+          <p:cNvSpPr txBox="1"/>
           <p:nvPr/>
         </p:nvSpPr>
         <p:spPr>
           <a:xfrm>
-            <a:off x="623888" y="1123721"/>
-            <a:ext cx="9120187" cy="4870564"/>
+            <a:off x="2157408" y="2163372"/>
+            <a:ext cx="1941921" cy="838985"/>
           </a:xfrm>
           <a:prstGeom prst="rect">
             <a:avLst/>
           </a:prstGeom>
-          <a:ln w="15875" cap="sq" cmpd="sng">
-            <a:noFill/>
+          <a:solidFill>
+            <a:schemeClr val="bg2"/>
+          </a:solidFill>
+          <a:ln>
+            <a:solidFill>
+              <a:schemeClr val="accent2">
+                <a:lumMod val="40000"/>
+                <a:lumOff val="60000"/>
+                <a:alpha val="44000"/>
+              </a:schemeClr>
+            </a:solidFill>
+          </a:ln>
+        </p:spPr>
+        <p:txBody>
+          <a:bodyPr wrap="square" lIns="0" tIns="0" rIns="0" bIns="0" rtlCol="1" anchor="ctr">
+            <a:noAutofit/>
+          </a:bodyPr>
+          <a:lstStyle>
+            <a:defPPr>
+              <a:defRPr lang="en-US"/>
+            </a:defPPr>
+            <a:lvl1pPr marR="0" lvl="0" indent="0" algn="ctr" fontAlgn="auto">
+              <a:lnSpc>
+                <a:spcPct val="100000"/>
+              </a:lnSpc>
+              <a:spcBef>
+                <a:spcPts val="0"/>
+              </a:spcBef>
+              <a:spcAft>
+                <a:spcPts val="0"/>
+              </a:spcAft>
+              <a:buClrTx/>
+              <a:buSzTx/>
+              <a:buFontTx/>
+              <a:buNone/>
+              <a:tabLst/>
+              <a:defRPr kumimoji="0" sz="1200" b="0" i="0" u="none" strike="noStrike" cap="none" spc="0" normalizeH="0" baseline="0">
+                <a:ln>
+                  <a:noFill/>
+                </a:ln>
+                <a:solidFill>
+                  <a:srgbClr val="E5E5E5">
+                    <a:lumMod val="75000"/>
+                  </a:srgbClr>
+                </a:solidFill>
+                <a:effectLst/>
+                <a:uLnTx/>
+                <a:uFillTx/>
+                <a:latin typeface="Arial"/>
+              </a:defRPr>
+            </a:lvl1pPr>
+          </a:lstStyle>
+          <a:p>
+            <a:r>
+              <a:rPr lang="en-US" dirty="0"/>
+              <a:t>Receive Payment Instruction</a:t>
+            </a:r>
+            <a:endParaRPr lang="he-IL" dirty="0" err="1"/>
+          </a:p>
+        </p:txBody>
+      </p:sp>
+      <p:sp>
+        <p:nvSpPr>
+          <p:cNvPr id="13" name="Flowchart: Predefined Process 12"/>
+          <p:cNvSpPr/>
+          <p:nvPr/>
+        </p:nvSpPr>
+        <p:spPr>
+          <a:xfrm>
+            <a:off x="4553388" y="2163372"/>
+            <a:ext cx="1941921" cy="838985"/>
+          </a:xfrm>
+          <a:prstGeom prst="flowChartPredefinedProcess">
+            <a:avLst/>
+          </a:prstGeom>
+          <a:solidFill>
+            <a:schemeClr val="bg2"/>
+          </a:solidFill>
+          <a:ln>
+            <a:solidFill>
+              <a:schemeClr val="accent2">
+                <a:lumMod val="40000"/>
+                <a:lumOff val="60000"/>
+                <a:alpha val="44000"/>
+              </a:schemeClr>
+            </a:solidFill>
+          </a:ln>
+        </p:spPr>
+        <p:txBody>
+          <a:bodyPr wrap="square" lIns="0" tIns="0" rIns="0" bIns="0" rtlCol="1" anchor="ctr">
+            <a:noAutofit/>
+          </a:bodyPr>
+          <a:lstStyle/>
+          <a:p>
+            <a:pPr algn="ctr"/>
+            <a:r>
+              <a:rPr lang="en-US" sz="1200" dirty="0">
+                <a:solidFill>
+                  <a:srgbClr val="E5E5E5">
+                    <a:lumMod val="75000"/>
+                  </a:srgbClr>
+                </a:solidFill>
+                <a:latin typeface="Arial"/>
+              </a:rPr>
+              <a:t>Payment Initiation</a:t>
+            </a:r>
+            <a:endParaRPr lang="he-IL" sz="1200" dirty="0">
+              <a:solidFill>
+                <a:srgbClr val="E5E5E5">
+                  <a:lumMod val="75000"/>
+                </a:srgbClr>
+              </a:solidFill>
+              <a:latin typeface="Arial"/>
+            </a:endParaRPr>
+          </a:p>
+        </p:txBody>
+      </p:sp>
+      <p:cxnSp>
+        <p:nvCxnSpPr>
+          <p:cNvPr id="15" name="Straight Arrow Connector 14"/>
+          <p:cNvCxnSpPr>
+            <a:stCxn id="9" idx="3"/>
+            <a:endCxn id="13" idx="1"/>
+          </p:cNvCxnSpPr>
+          <p:nvPr/>
+        </p:nvCxnSpPr>
+        <p:spPr>
+          <a:xfrm>
+            <a:off x="4099329" y="2582865"/>
+            <a:ext cx="454059" cy="0"/>
+          </a:xfrm>
+          <a:prstGeom prst="straightConnector1">
+            <a:avLst/>
+          </a:prstGeom>
+          <a:ln w="12700">
+            <a:tailEnd type="triangle" w="lg" len="lg"/>
+          </a:ln>
+        </p:spPr>
+        <p:style>
+          <a:lnRef idx="1">
+            <a:schemeClr val="accent1"/>
+          </a:lnRef>
+          <a:fillRef idx="0">
+            <a:schemeClr val="accent1"/>
+          </a:fillRef>
+          <a:effectRef idx="0">
+            <a:schemeClr val="accent1"/>
+          </a:effectRef>
+          <a:fontRef idx="minor">
+            <a:schemeClr val="tx1"/>
+          </a:fontRef>
+        </p:style>
+      </p:cxnSp>
+      <p:sp>
+        <p:nvSpPr>
+          <p:cNvPr id="16" name="TextBox 15"/>
+          <p:cNvSpPr txBox="1"/>
+          <p:nvPr/>
+        </p:nvSpPr>
+        <p:spPr>
+          <a:xfrm>
+            <a:off x="2157408" y="3322933"/>
+            <a:ext cx="4337901" cy="311084"/>
+          </a:xfrm>
+          <a:prstGeom prst="rect">
+            <a:avLst/>
+          </a:prstGeom>
+          <a:solidFill>
+            <a:schemeClr val="bg2"/>
+          </a:solidFill>
+          <a:ln>
+            <a:solidFill>
+              <a:schemeClr val="accent2">
+                <a:lumMod val="40000"/>
+                <a:lumOff val="60000"/>
+                <a:alpha val="44000"/>
+              </a:schemeClr>
+            </a:solidFill>
+          </a:ln>
+        </p:spPr>
+        <p:txBody>
+          <a:bodyPr wrap="square" lIns="0" tIns="0" rIns="0" bIns="0" rtlCol="1" anchor="ctr">
+            <a:noAutofit/>
+          </a:bodyPr>
+          <a:lstStyle>
+            <a:defPPr>
+              <a:defRPr lang="en-US"/>
+            </a:defPPr>
+            <a:lvl1pPr algn="ctr">
+              <a:defRPr sz="1200">
+                <a:solidFill>
+                  <a:schemeClr val="bg2">
+                    <a:lumMod val="75000"/>
+                  </a:schemeClr>
+                </a:solidFill>
+              </a:defRPr>
+            </a:lvl1pPr>
+          </a:lstStyle>
+          <a:p>
+            <a:pPr marL="0" marR="0" lvl="0" indent="0" algn="ctr" defTabSz="914400" rtl="0" eaLnBrk="1" fontAlgn="auto" latinLnBrk="0" hangingPunct="1">
+              <a:lnSpc>
+                <a:spcPct val="100000"/>
+              </a:lnSpc>
+              <a:spcBef>
+                <a:spcPts val="0"/>
+              </a:spcBef>
+              <a:spcAft>
+                <a:spcPts val="0"/>
+              </a:spcAft>
+              <a:buClrTx/>
+              <a:buSzTx/>
+              <a:buFontTx/>
+              <a:buNone/>
+              <a:tabLst/>
+              <a:defRPr/>
+            </a:pPr>
+            <a:r>
+              <a:rPr kumimoji="0" lang="en-US" sz="1200" b="0" i="0" u="none" strike="noStrike" kern="1200" cap="none" spc="0" normalizeH="0" baseline="0" noProof="0" dirty="0">
+                <a:ln>
+                  <a:noFill/>
+                </a:ln>
+                <a:solidFill>
+                  <a:srgbClr val="E5E5E5">
+                    <a:lumMod val="75000"/>
+                  </a:srgbClr>
+                </a:solidFill>
+                <a:effectLst/>
+                <a:uLnTx/>
+                <a:uFillTx/>
+                <a:latin typeface="Arial"/>
+                <a:ea typeface="+mn-ea"/>
+                <a:cs typeface="+mn-cs"/>
+              </a:rPr>
+              <a:t>Compliance </a:t>
+            </a:r>
+            <a:endParaRPr kumimoji="0" lang="he-IL" sz="1200" b="0" i="0" u="none" strike="noStrike" kern="1200" cap="none" spc="0" normalizeH="0" baseline="0" noProof="0" dirty="0" err="1">
+              <a:ln>
+                <a:noFill/>
+              </a:ln>
+              <a:solidFill>
+                <a:srgbClr val="E5E5E5">
+                  <a:lumMod val="75000"/>
+                </a:srgbClr>
+              </a:solidFill>
+              <a:effectLst/>
+              <a:uLnTx/>
+              <a:uFillTx/>
+              <a:latin typeface="Arial"/>
+              <a:ea typeface="+mn-ea"/>
+              <a:cs typeface="Arial" panose="020B0604020202020204" pitchFamily="34" charset="0"/>
+            </a:endParaRPr>
+          </a:p>
+        </p:txBody>
+      </p:sp>
+      <p:cxnSp>
+        <p:nvCxnSpPr>
+          <p:cNvPr id="18" name="Straight Arrow Connector 17"/>
+          <p:cNvCxnSpPr>
+            <a:stCxn id="13" idx="2"/>
+          </p:cNvCxnSpPr>
+          <p:nvPr/>
+        </p:nvCxnSpPr>
+        <p:spPr>
+          <a:xfrm flipH="1">
+            <a:off x="5524347" y="3002357"/>
+            <a:ext cx="2" cy="320576"/>
+          </a:xfrm>
+          <a:prstGeom prst="straightConnector1">
+            <a:avLst/>
+          </a:prstGeom>
+          <a:ln w="41275" cmpd="sng">
+            <a:solidFill>
+              <a:schemeClr val="bg1">
+                <a:lumMod val="75000"/>
+              </a:schemeClr>
+            </a:solidFill>
+            <a:prstDash val="sysDot"/>
+            <a:tailEnd type="triangle"/>
+          </a:ln>
+        </p:spPr>
+        <p:style>
+          <a:lnRef idx="1">
+            <a:schemeClr val="accent1"/>
+          </a:lnRef>
+          <a:fillRef idx="0">
+            <a:schemeClr val="accent1"/>
+          </a:fillRef>
+          <a:effectRef idx="0">
+            <a:schemeClr val="accent1"/>
+          </a:effectRef>
+          <a:fontRef idx="minor">
+            <a:schemeClr val="tx1"/>
+          </a:fontRef>
+        </p:style>
+      </p:cxnSp>
+      <p:sp>
+        <p:nvSpPr>
+          <p:cNvPr id="20" name="Flowchart: Predefined Process 19"/>
+          <p:cNvSpPr/>
+          <p:nvPr/>
+        </p:nvSpPr>
+        <p:spPr>
+          <a:xfrm>
+            <a:off x="6949368" y="2163372"/>
+            <a:ext cx="1941921" cy="838985"/>
+          </a:xfrm>
+          <a:prstGeom prst="flowChartPredefinedProcess">
+            <a:avLst/>
+          </a:prstGeom>
+          <a:solidFill>
+            <a:schemeClr val="bg2"/>
+          </a:solidFill>
+          <a:ln>
+            <a:solidFill>
+              <a:schemeClr val="accent2">
+                <a:lumMod val="40000"/>
+                <a:lumOff val="60000"/>
+                <a:alpha val="44000"/>
+              </a:schemeClr>
+            </a:solidFill>
+          </a:ln>
+        </p:spPr>
+        <p:txBody>
+          <a:bodyPr wrap="square" lIns="0" tIns="0" rIns="0" bIns="0" rtlCol="1" anchor="ctr">
+            <a:noAutofit/>
+          </a:bodyPr>
+          <a:lstStyle/>
+          <a:p>
+            <a:pPr algn="ctr"/>
+            <a:r>
+              <a:rPr lang="en-US" sz="1200" dirty="0">
+                <a:solidFill>
+                  <a:srgbClr val="E5E5E5">
+                    <a:lumMod val="75000"/>
+                  </a:srgbClr>
+                </a:solidFill>
+                <a:latin typeface="Arial"/>
+              </a:rPr>
+              <a:t>Debit Side Processing</a:t>
+            </a:r>
+            <a:endParaRPr lang="he-IL" sz="1200" dirty="0">
+              <a:solidFill>
+                <a:srgbClr val="E5E5E5">
+                  <a:lumMod val="75000"/>
+                </a:srgbClr>
+              </a:solidFill>
+              <a:latin typeface="Arial"/>
+            </a:endParaRPr>
+          </a:p>
+        </p:txBody>
+      </p:sp>
+      <p:sp>
+        <p:nvSpPr>
+          <p:cNvPr id="21" name="Flowchart: Predefined Process 20"/>
+          <p:cNvSpPr/>
+          <p:nvPr/>
+        </p:nvSpPr>
+        <p:spPr>
+          <a:xfrm>
+            <a:off x="9345348" y="2163372"/>
+            <a:ext cx="1941921" cy="838985"/>
+          </a:xfrm>
+          <a:prstGeom prst="flowChartPredefinedProcess">
+            <a:avLst/>
+          </a:prstGeom>
+          <a:solidFill>
+            <a:schemeClr val="bg2"/>
+          </a:solidFill>
+          <a:ln>
+            <a:solidFill>
+              <a:schemeClr val="accent2">
+                <a:lumMod val="40000"/>
+                <a:lumOff val="60000"/>
+                <a:alpha val="44000"/>
+              </a:schemeClr>
+            </a:solidFill>
+          </a:ln>
+        </p:spPr>
+        <p:txBody>
+          <a:bodyPr wrap="square" lIns="0" tIns="0" rIns="0" bIns="0" rtlCol="1" anchor="ctr">
+            <a:noAutofit/>
+          </a:bodyPr>
+          <a:lstStyle/>
+          <a:p>
+            <a:pPr algn="ctr"/>
+            <a:r>
+              <a:rPr lang="en-US" sz="1200" dirty="0">
+                <a:solidFill>
+                  <a:srgbClr val="E5E5E5">
+                    <a:lumMod val="75000"/>
+                  </a:srgbClr>
+                </a:solidFill>
+                <a:latin typeface="Arial"/>
+              </a:rPr>
+              <a:t>Credit Side Processing</a:t>
+            </a:r>
+            <a:endParaRPr lang="he-IL" sz="1200" dirty="0">
+              <a:solidFill>
+                <a:srgbClr val="E5E5E5">
+                  <a:lumMod val="75000"/>
+                </a:srgbClr>
+              </a:solidFill>
+              <a:latin typeface="Arial"/>
+            </a:endParaRPr>
+          </a:p>
+        </p:txBody>
+      </p:sp>
+      <p:sp>
+        <p:nvSpPr>
+          <p:cNvPr id="22" name="TextBox 21"/>
+          <p:cNvSpPr txBox="1"/>
+          <p:nvPr/>
+        </p:nvSpPr>
+        <p:spPr>
+          <a:xfrm>
+            <a:off x="6949366" y="1304486"/>
+            <a:ext cx="4337902" cy="311084"/>
+          </a:xfrm>
+          <a:prstGeom prst="rect">
+            <a:avLst/>
+          </a:prstGeom>
+          <a:solidFill>
+            <a:schemeClr val="bg2"/>
+          </a:solidFill>
+          <a:ln>
+            <a:solidFill>
+              <a:schemeClr val="accent2">
+                <a:lumMod val="40000"/>
+                <a:lumOff val="60000"/>
+                <a:alpha val="44000"/>
+              </a:schemeClr>
+            </a:solidFill>
+          </a:ln>
+        </p:spPr>
+        <p:txBody>
+          <a:bodyPr wrap="square" lIns="0" tIns="0" rIns="0" bIns="0" rtlCol="1" anchor="ctr">
+            <a:noAutofit/>
+          </a:bodyPr>
+          <a:lstStyle>
+            <a:defPPr>
+              <a:defRPr lang="en-US"/>
+            </a:defPPr>
+            <a:lvl1pPr marR="0" lvl="0" indent="0" algn="ctr" fontAlgn="auto">
+              <a:lnSpc>
+                <a:spcPct val="100000"/>
+              </a:lnSpc>
+              <a:spcBef>
+                <a:spcPts val="0"/>
+              </a:spcBef>
+              <a:spcAft>
+                <a:spcPts val="0"/>
+              </a:spcAft>
+              <a:buClrTx/>
+              <a:buSzTx/>
+              <a:buFontTx/>
+              <a:buNone/>
+              <a:tabLst/>
+              <a:defRPr kumimoji="0" sz="1200" b="0" i="0" u="none" strike="noStrike" cap="none" spc="0" normalizeH="0" baseline="0">
+                <a:ln>
+                  <a:noFill/>
+                </a:ln>
+                <a:solidFill>
+                  <a:srgbClr val="E5E5E5">
+                    <a:lumMod val="75000"/>
+                  </a:srgbClr>
+                </a:solidFill>
+                <a:effectLst/>
+                <a:uLnTx/>
+                <a:uFillTx/>
+                <a:latin typeface="Arial"/>
+              </a:defRPr>
+            </a:lvl1pPr>
+          </a:lstStyle>
+          <a:p>
+            <a:r>
+              <a:rPr lang="en-US" dirty="0"/>
+              <a:t>Account Lookup</a:t>
+            </a:r>
+            <a:endParaRPr lang="he-IL" dirty="0" err="1"/>
+          </a:p>
+        </p:txBody>
+      </p:sp>
+      <p:cxnSp>
+        <p:nvCxnSpPr>
+          <p:cNvPr id="23" name="Straight Arrow Connector 22"/>
+          <p:cNvCxnSpPr>
+            <a:stCxn id="21" idx="0"/>
+          </p:cNvCxnSpPr>
+          <p:nvPr/>
+        </p:nvCxnSpPr>
+        <p:spPr>
+          <a:xfrm flipH="1" flipV="1">
+            <a:off x="10309292" y="1578911"/>
+            <a:ext cx="7017" cy="584461"/>
+          </a:xfrm>
+          <a:prstGeom prst="straightConnector1">
+            <a:avLst/>
+          </a:prstGeom>
+          <a:ln w="41275" cmpd="sng">
+            <a:solidFill>
+              <a:schemeClr val="bg1">
+                <a:lumMod val="75000"/>
+              </a:schemeClr>
+            </a:solidFill>
+            <a:prstDash val="sysDot"/>
+            <a:tailEnd type="triangle"/>
+          </a:ln>
+        </p:spPr>
+        <p:style>
+          <a:lnRef idx="1">
+            <a:schemeClr val="accent1"/>
+          </a:lnRef>
+          <a:fillRef idx="0">
+            <a:schemeClr val="accent1"/>
+          </a:fillRef>
+          <a:effectRef idx="0">
+            <a:schemeClr val="accent1"/>
+          </a:effectRef>
+          <a:fontRef idx="minor">
+            <a:schemeClr val="tx1"/>
+          </a:fontRef>
+        </p:style>
+      </p:cxnSp>
+      <p:sp>
+        <p:nvSpPr>
+          <p:cNvPr id="24" name="TextBox 23"/>
+          <p:cNvSpPr txBox="1"/>
+          <p:nvPr/>
+        </p:nvSpPr>
+        <p:spPr>
+          <a:xfrm>
+            <a:off x="4553386" y="3831190"/>
+            <a:ext cx="1941922" cy="311084"/>
+          </a:xfrm>
+          <a:prstGeom prst="rect">
+            <a:avLst/>
+          </a:prstGeom>
+          <a:solidFill>
+            <a:schemeClr val="bg2"/>
+          </a:solidFill>
+          <a:ln>
+            <a:solidFill>
+              <a:schemeClr val="accent2">
+                <a:lumMod val="40000"/>
+                <a:lumOff val="60000"/>
+                <a:alpha val="44000"/>
+              </a:schemeClr>
+            </a:solidFill>
+          </a:ln>
+        </p:spPr>
+        <p:txBody>
+          <a:bodyPr wrap="square" lIns="0" tIns="0" rIns="0" bIns="0" rtlCol="1" anchor="ctr">
+            <a:noAutofit/>
+          </a:bodyPr>
+          <a:lstStyle>
+            <a:defPPr>
+              <a:defRPr lang="en-US"/>
+            </a:defPPr>
+            <a:lvl1pPr marR="0" lvl="0" indent="0" algn="ctr" fontAlgn="auto">
+              <a:lnSpc>
+                <a:spcPct val="100000"/>
+              </a:lnSpc>
+              <a:spcBef>
+                <a:spcPts val="0"/>
+              </a:spcBef>
+              <a:spcAft>
+                <a:spcPts val="0"/>
+              </a:spcAft>
+              <a:buClrTx/>
+              <a:buSzTx/>
+              <a:buFontTx/>
+              <a:buNone/>
+              <a:tabLst/>
+              <a:defRPr kumimoji="0" sz="1200" b="0" i="0" u="none" strike="noStrike" cap="none" spc="0" normalizeH="0" baseline="0">
+                <a:ln>
+                  <a:noFill/>
+                </a:ln>
+                <a:solidFill>
+                  <a:srgbClr val="E5E5E5">
+                    <a:lumMod val="75000"/>
+                  </a:srgbClr>
+                </a:solidFill>
+                <a:effectLst/>
+                <a:uLnTx/>
+                <a:uFillTx/>
+                <a:latin typeface="Arial"/>
+              </a:defRPr>
+            </a:lvl1pPr>
+          </a:lstStyle>
+          <a:p>
+            <a:r>
+              <a:rPr lang="en-US" dirty="0"/>
+              <a:t>FX Engine</a:t>
+            </a:r>
+            <a:endParaRPr lang="he-IL" dirty="0" err="1"/>
+          </a:p>
+        </p:txBody>
+      </p:sp>
+      <p:cxnSp>
+        <p:nvCxnSpPr>
+          <p:cNvPr id="25" name="Straight Arrow Connector 24"/>
+          <p:cNvCxnSpPr>
+            <a:endCxn id="24" idx="2"/>
+          </p:cNvCxnSpPr>
+          <p:nvPr/>
+        </p:nvCxnSpPr>
+        <p:spPr>
+          <a:xfrm flipV="1">
+            <a:off x="5524347" y="4142274"/>
+            <a:ext cx="0" cy="334527"/>
+          </a:xfrm>
+          <a:prstGeom prst="straightConnector1">
+            <a:avLst/>
+          </a:prstGeom>
+          <a:ln w="41275" cmpd="sng">
+            <a:solidFill>
+              <a:schemeClr val="bg1">
+                <a:lumMod val="75000"/>
+              </a:schemeClr>
+            </a:solidFill>
+            <a:prstDash val="sysDot"/>
+            <a:tailEnd type="triangle"/>
+          </a:ln>
+        </p:spPr>
+        <p:style>
+          <a:lnRef idx="1">
+            <a:schemeClr val="accent1"/>
+          </a:lnRef>
+          <a:fillRef idx="0">
+            <a:schemeClr val="accent1"/>
+          </a:fillRef>
+          <a:effectRef idx="0">
+            <a:schemeClr val="accent1"/>
+          </a:effectRef>
+          <a:fontRef idx="minor">
+            <a:schemeClr val="tx1"/>
+          </a:fontRef>
+        </p:style>
+      </p:cxnSp>
+      <p:cxnSp>
+        <p:nvCxnSpPr>
+          <p:cNvPr id="28" name="Straight Arrow Connector 27"/>
+          <p:cNvCxnSpPr/>
+          <p:nvPr/>
+        </p:nvCxnSpPr>
+        <p:spPr>
+          <a:xfrm flipV="1">
+            <a:off x="3128366" y="3642562"/>
+            <a:ext cx="0" cy="830440"/>
+          </a:xfrm>
+          <a:prstGeom prst="straightConnector1">
+            <a:avLst/>
+          </a:prstGeom>
+          <a:ln w="41275" cmpd="sng">
+            <a:solidFill>
+              <a:schemeClr val="bg1">
+                <a:lumMod val="75000"/>
+              </a:schemeClr>
+            </a:solidFill>
+            <a:prstDash val="sysDot"/>
+            <a:tailEnd type="triangle"/>
+          </a:ln>
+        </p:spPr>
+        <p:style>
+          <a:lnRef idx="1">
+            <a:schemeClr val="accent1"/>
+          </a:lnRef>
+          <a:fillRef idx="0">
+            <a:schemeClr val="accent1"/>
+          </a:fillRef>
+          <a:effectRef idx="0">
+            <a:schemeClr val="accent1"/>
+          </a:effectRef>
+          <a:fontRef idx="minor">
+            <a:schemeClr val="tx1"/>
+          </a:fontRef>
+        </p:style>
+      </p:cxnSp>
+      <p:cxnSp>
+        <p:nvCxnSpPr>
+          <p:cNvPr id="34" name="Straight Arrow Connector 33"/>
+          <p:cNvCxnSpPr>
+            <a:stCxn id="13" idx="3"/>
+            <a:endCxn id="20" idx="1"/>
+          </p:cNvCxnSpPr>
+          <p:nvPr/>
+        </p:nvCxnSpPr>
+        <p:spPr>
+          <a:xfrm>
+            <a:off x="6495309" y="2582865"/>
+            <a:ext cx="454059" cy="0"/>
+          </a:xfrm>
+          <a:prstGeom prst="straightConnector1">
+            <a:avLst/>
+          </a:prstGeom>
+          <a:ln w="12700">
+            <a:tailEnd type="triangle" w="lg" len="lg"/>
+          </a:ln>
+        </p:spPr>
+        <p:style>
+          <a:lnRef idx="1">
+            <a:schemeClr val="accent1"/>
+          </a:lnRef>
+          <a:fillRef idx="0">
+            <a:schemeClr val="accent1"/>
+          </a:fillRef>
+          <a:effectRef idx="0">
+            <a:schemeClr val="accent1"/>
+          </a:effectRef>
+          <a:fontRef idx="minor">
+            <a:schemeClr val="tx1"/>
+          </a:fontRef>
+        </p:style>
+      </p:cxnSp>
+      <p:cxnSp>
+        <p:nvCxnSpPr>
+          <p:cNvPr id="35" name="Straight Arrow Connector 34"/>
+          <p:cNvCxnSpPr>
+            <a:stCxn id="20" idx="3"/>
+            <a:endCxn id="21" idx="1"/>
+          </p:cNvCxnSpPr>
+          <p:nvPr/>
+        </p:nvCxnSpPr>
+        <p:spPr>
+          <a:xfrm>
+            <a:off x="8891289" y="2582865"/>
+            <a:ext cx="454059" cy="0"/>
+          </a:xfrm>
+          <a:prstGeom prst="straightConnector1">
+            <a:avLst/>
+          </a:prstGeom>
+          <a:ln w="12700">
+            <a:tailEnd type="triangle" w="lg" len="lg"/>
+          </a:ln>
+        </p:spPr>
+        <p:style>
+          <a:lnRef idx="1">
+            <a:schemeClr val="accent1"/>
+          </a:lnRef>
+          <a:fillRef idx="0">
+            <a:schemeClr val="accent1"/>
+          </a:fillRef>
+          <a:effectRef idx="0">
+            <a:schemeClr val="accent1"/>
+          </a:effectRef>
+          <a:fontRef idx="minor">
+            <a:schemeClr val="tx1"/>
+          </a:fontRef>
+        </p:style>
+      </p:cxnSp>
+      <p:sp>
+        <p:nvSpPr>
+          <p:cNvPr id="41" name="Flowchart: Predefined Process 40"/>
+          <p:cNvSpPr/>
+          <p:nvPr/>
+        </p:nvSpPr>
+        <p:spPr>
+          <a:xfrm>
+            <a:off x="9345347" y="4453359"/>
+            <a:ext cx="1941921" cy="838985"/>
+          </a:xfrm>
+          <a:prstGeom prst="flowChartPredefinedProcess">
+            <a:avLst/>
+          </a:prstGeom>
+          <a:solidFill>
+            <a:schemeClr val="bg2"/>
+          </a:solidFill>
+          <a:ln>
+            <a:solidFill>
+              <a:schemeClr val="accent2">
+                <a:lumMod val="40000"/>
+                <a:lumOff val="60000"/>
+                <a:alpha val="44000"/>
+              </a:schemeClr>
+            </a:solidFill>
+          </a:ln>
+        </p:spPr>
+        <p:txBody>
+          <a:bodyPr wrap="square" lIns="0" tIns="0" rIns="0" bIns="0" rtlCol="1" anchor="ctr">
+            <a:noAutofit/>
+          </a:bodyPr>
+          <a:lstStyle/>
+          <a:p>
+            <a:pPr algn="ctr"/>
+            <a:r>
+              <a:rPr lang="en-US" sz="1200" dirty="0">
+                <a:solidFill>
+                  <a:srgbClr val="E5E5E5">
+                    <a:lumMod val="75000"/>
+                  </a:srgbClr>
+                </a:solidFill>
+                <a:latin typeface="Arial"/>
+              </a:rPr>
+              <a:t>MOP Selection Value Date and Cut Offs</a:t>
+            </a:r>
+            <a:endParaRPr lang="he-IL" sz="1200" dirty="0">
+              <a:solidFill>
+                <a:srgbClr val="E5E5E5">
+                  <a:lumMod val="75000"/>
+                </a:srgbClr>
+              </a:solidFill>
+              <a:latin typeface="Arial"/>
+            </a:endParaRPr>
+          </a:p>
+        </p:txBody>
+      </p:sp>
+      <p:cxnSp>
+        <p:nvCxnSpPr>
+          <p:cNvPr id="43" name="Elbow Connector 42"/>
+          <p:cNvCxnSpPr>
+            <a:stCxn id="21" idx="3"/>
+            <a:endCxn id="41" idx="3"/>
+          </p:cNvCxnSpPr>
+          <p:nvPr/>
+        </p:nvCxnSpPr>
+        <p:spPr>
+          <a:xfrm flipH="1">
+            <a:off x="11287268" y="2582865"/>
+            <a:ext cx="1" cy="2289987"/>
+          </a:xfrm>
+          <a:prstGeom prst="bentConnector3">
+            <a:avLst>
+              <a:gd name="adj1" fmla="val -22860000000"/>
+            </a:avLst>
+          </a:prstGeom>
+          <a:ln w="12700">
+            <a:tailEnd type="triangle" w="lg" len="lg"/>
+          </a:ln>
+        </p:spPr>
+        <p:style>
+          <a:lnRef idx="1">
+            <a:schemeClr val="accent1"/>
+          </a:lnRef>
+          <a:fillRef idx="0">
+            <a:schemeClr val="accent1"/>
+          </a:fillRef>
+          <a:effectRef idx="0">
+            <a:schemeClr val="accent1"/>
+          </a:effectRef>
+          <a:fontRef idx="minor">
+            <a:schemeClr val="tx1"/>
+          </a:fontRef>
+        </p:style>
+      </p:cxnSp>
+      <p:sp>
+        <p:nvSpPr>
+          <p:cNvPr id="47" name="Flowchart: Document 46"/>
+          <p:cNvSpPr/>
+          <p:nvPr/>
+        </p:nvSpPr>
+        <p:spPr>
+          <a:xfrm>
+            <a:off x="418083" y="2040095"/>
+            <a:ext cx="1271229" cy="1074656"/>
+          </a:xfrm>
+          <a:prstGeom prst="flowChartDocument">
+            <a:avLst/>
+          </a:prstGeom>
+          <a:solidFill>
+            <a:schemeClr val="accent2"/>
+          </a:solidFill>
+          <a:ln>
+            <a:solidFill>
+              <a:schemeClr val="accent1"/>
+            </a:solidFill>
+          </a:ln>
+        </p:spPr>
+        <p:txBody>
+          <a:bodyPr wrap="square" lIns="0" tIns="0" rIns="0" bIns="0" rtlCol="1" anchor="ctr">
+            <a:noAutofit/>
+          </a:bodyPr>
+          <a:lstStyle/>
+          <a:p>
+            <a:pPr marL="0" marR="0" lvl="0" indent="0" algn="ctr" defTabSz="914400" rtl="0" eaLnBrk="1" fontAlgn="auto" latinLnBrk="0" hangingPunct="1">
+              <a:lnSpc>
+                <a:spcPct val="100000"/>
+              </a:lnSpc>
+              <a:spcBef>
+                <a:spcPts val="0"/>
+              </a:spcBef>
+              <a:spcAft>
+                <a:spcPts val="0"/>
+              </a:spcAft>
+              <a:buClrTx/>
+              <a:buSzTx/>
+              <a:buFontTx/>
+              <a:buNone/>
+              <a:tabLst/>
+              <a:defRPr/>
+            </a:pPr>
+            <a:r>
+              <a:rPr kumimoji="0" lang="en-US" sz="1200" b="0" i="0" u="none" strike="noStrike" kern="1200" cap="none" spc="0" normalizeH="0" baseline="0" noProof="0" dirty="0">
+                <a:ln>
+                  <a:noFill/>
+                </a:ln>
+                <a:solidFill>
+                  <a:prstClr val="white"/>
+                </a:solidFill>
+                <a:effectLst/>
+                <a:uLnTx/>
+                <a:uFillTx/>
+                <a:latin typeface="Arial"/>
+                <a:ea typeface="+mn-ea"/>
+                <a:cs typeface="+mn-cs"/>
+              </a:rPr>
+              <a:t>Internet Banking,  Branch-OTC, SWIFT, Local Clearing</a:t>
+            </a:r>
+            <a:endParaRPr kumimoji="0" lang="he-IL" sz="1200" b="0" i="0" u="none" strike="noStrike" kern="1200" cap="none" spc="0" normalizeH="0" baseline="0" noProof="0" dirty="0">
+              <a:ln>
+                <a:noFill/>
+              </a:ln>
+              <a:solidFill>
+                <a:prstClr val="white"/>
+              </a:solidFill>
+              <a:effectLst/>
+              <a:uLnTx/>
+              <a:uFillTx/>
+              <a:latin typeface="Arial"/>
+              <a:ea typeface="+mn-ea"/>
+              <a:cs typeface="Arial" panose="020B0604020202020204" pitchFamily="34" charset="0"/>
+            </a:endParaRPr>
+          </a:p>
+        </p:txBody>
+      </p:sp>
+      <p:cxnSp>
+        <p:nvCxnSpPr>
+          <p:cNvPr id="48" name="Straight Arrow Connector 47"/>
+          <p:cNvCxnSpPr>
+            <a:stCxn id="47" idx="3"/>
+            <a:endCxn id="9" idx="1"/>
+          </p:cNvCxnSpPr>
+          <p:nvPr/>
+        </p:nvCxnSpPr>
+        <p:spPr>
+          <a:xfrm>
+            <a:off x="1689312" y="2577423"/>
+            <a:ext cx="468096" cy="5442"/>
+          </a:xfrm>
+          <a:prstGeom prst="straightConnector1">
+            <a:avLst/>
+          </a:prstGeom>
+          <a:ln w="41275" cmpd="sng">
+            <a:solidFill>
+              <a:schemeClr val="accent2"/>
+            </a:solidFill>
+            <a:prstDash val="sysDot"/>
+            <a:tailEnd type="triangle"/>
+          </a:ln>
+        </p:spPr>
+        <p:style>
+          <a:lnRef idx="1">
+            <a:schemeClr val="accent1"/>
+          </a:lnRef>
+          <a:fillRef idx="0">
+            <a:schemeClr val="accent1"/>
+          </a:fillRef>
+          <a:effectRef idx="0">
+            <a:schemeClr val="accent1"/>
+          </a:effectRef>
+          <a:fontRef idx="minor">
+            <a:schemeClr val="tx1"/>
+          </a:fontRef>
+        </p:style>
+      </p:cxnSp>
+      <p:sp>
+        <p:nvSpPr>
+          <p:cNvPr id="51" name="Flowchart: Predefined Process 50"/>
+          <p:cNvSpPr/>
+          <p:nvPr/>
+        </p:nvSpPr>
+        <p:spPr>
+          <a:xfrm>
+            <a:off x="6949368" y="4453358"/>
+            <a:ext cx="1941921" cy="838985"/>
+          </a:xfrm>
+          <a:prstGeom prst="flowChartPredefinedProcess">
+            <a:avLst/>
+          </a:prstGeom>
+          <a:solidFill>
+            <a:schemeClr val="bg2"/>
+          </a:solidFill>
+          <a:ln>
+            <a:solidFill>
+              <a:schemeClr val="accent2">
+                <a:lumMod val="40000"/>
+                <a:lumOff val="60000"/>
+                <a:alpha val="44000"/>
+              </a:schemeClr>
+            </a:solidFill>
+          </a:ln>
+        </p:spPr>
+        <p:txBody>
+          <a:bodyPr wrap="square" lIns="0" tIns="0" rIns="0" bIns="0" rtlCol="1" anchor="ctr">
+            <a:noAutofit/>
+          </a:bodyPr>
+          <a:lstStyle/>
+          <a:p>
+            <a:pPr algn="ctr"/>
+            <a:r>
+              <a:rPr lang="en-US" sz="1200" dirty="0">
+                <a:solidFill>
+                  <a:srgbClr val="E5E5E5">
+                    <a:lumMod val="75000"/>
+                  </a:srgbClr>
+                </a:solidFill>
+                <a:latin typeface="Arial"/>
+              </a:rPr>
+              <a:t>Fees Processing</a:t>
+            </a:r>
+            <a:endParaRPr lang="he-IL" sz="1200" dirty="0">
+              <a:solidFill>
+                <a:srgbClr val="E5E5E5">
+                  <a:lumMod val="75000"/>
+                </a:srgbClr>
+              </a:solidFill>
+              <a:latin typeface="Arial"/>
+            </a:endParaRPr>
+          </a:p>
+        </p:txBody>
+      </p:sp>
+      <p:cxnSp>
+        <p:nvCxnSpPr>
+          <p:cNvPr id="52" name="Straight Arrow Connector 51"/>
+          <p:cNvCxnSpPr>
+            <a:stCxn id="41" idx="1"/>
+            <a:endCxn id="51" idx="3"/>
+          </p:cNvCxnSpPr>
+          <p:nvPr/>
+        </p:nvCxnSpPr>
+        <p:spPr>
+          <a:xfrm flipH="1" flipV="1">
+            <a:off x="8891289" y="4872851"/>
+            <a:ext cx="454058" cy="1"/>
+          </a:xfrm>
+          <a:prstGeom prst="straightConnector1">
+            <a:avLst/>
+          </a:prstGeom>
+          <a:ln w="12700">
+            <a:tailEnd type="triangle" w="lg" len="lg"/>
+          </a:ln>
+        </p:spPr>
+        <p:style>
+          <a:lnRef idx="1">
+            <a:schemeClr val="accent1"/>
+          </a:lnRef>
+          <a:fillRef idx="0">
+            <a:schemeClr val="accent1"/>
+          </a:fillRef>
+          <a:effectRef idx="0">
+            <a:schemeClr val="accent1"/>
+          </a:effectRef>
+          <a:fontRef idx="minor">
+            <a:schemeClr val="tx1"/>
+          </a:fontRef>
+        </p:style>
+      </p:cxnSp>
+      <p:cxnSp>
+        <p:nvCxnSpPr>
+          <p:cNvPr id="56" name="Straight Arrow Connector 55"/>
+          <p:cNvCxnSpPr/>
+          <p:nvPr/>
+        </p:nvCxnSpPr>
+        <p:spPr>
+          <a:xfrm flipH="1" flipV="1">
+            <a:off x="6495309" y="4872851"/>
+            <a:ext cx="454058" cy="1"/>
+          </a:xfrm>
+          <a:prstGeom prst="straightConnector1">
+            <a:avLst/>
+          </a:prstGeom>
+          <a:ln w="12700">
+            <a:tailEnd type="triangle" w="lg" len="lg"/>
+          </a:ln>
+        </p:spPr>
+        <p:style>
+          <a:lnRef idx="1">
+            <a:schemeClr val="accent1"/>
+          </a:lnRef>
+          <a:fillRef idx="0">
+            <a:schemeClr val="accent1"/>
+          </a:fillRef>
+          <a:effectRef idx="0">
+            <a:schemeClr val="accent1"/>
+          </a:effectRef>
+          <a:fontRef idx="minor">
+            <a:schemeClr val="tx1"/>
+          </a:fontRef>
+        </p:style>
+      </p:cxnSp>
+      <p:sp>
+        <p:nvSpPr>
+          <p:cNvPr id="57" name="Flowchart: Predefined Process 56"/>
+          <p:cNvSpPr/>
+          <p:nvPr/>
+        </p:nvSpPr>
+        <p:spPr>
+          <a:xfrm>
+            <a:off x="2157408" y="4453358"/>
+            <a:ext cx="4337900" cy="838985"/>
+          </a:xfrm>
+          <a:prstGeom prst="flowChartPredefinedProcess">
+            <a:avLst/>
+          </a:prstGeom>
+          <a:solidFill>
+            <a:schemeClr val="bg2"/>
+          </a:solidFill>
+          <a:ln>
+            <a:solidFill>
+              <a:schemeClr val="accent2">
+                <a:lumMod val="40000"/>
+                <a:lumOff val="60000"/>
+                <a:alpha val="44000"/>
+              </a:schemeClr>
+            </a:solidFill>
+          </a:ln>
+        </p:spPr>
+        <p:txBody>
+          <a:bodyPr wrap="square" lIns="0" tIns="0" rIns="0" bIns="0" rtlCol="1" anchor="ctr">
+            <a:noAutofit/>
+          </a:bodyPr>
+          <a:lstStyle/>
+          <a:p>
+            <a:pPr algn="ctr"/>
+            <a:r>
+              <a:rPr lang="en-US" sz="1200" dirty="0">
+                <a:solidFill>
+                  <a:srgbClr val="E5E5E5">
+                    <a:lumMod val="75000"/>
+                  </a:srgbClr>
+                </a:solidFill>
+                <a:latin typeface="Arial"/>
+              </a:rPr>
+              <a:t>Payment execution</a:t>
+            </a:r>
+            <a:endParaRPr lang="he-IL" sz="1200" dirty="0">
+              <a:solidFill>
+                <a:srgbClr val="E5E5E5">
+                  <a:lumMod val="75000"/>
+                </a:srgbClr>
+              </a:solidFill>
+              <a:latin typeface="Arial"/>
+            </a:endParaRPr>
+          </a:p>
+        </p:txBody>
+      </p:sp>
+      <p:sp>
+        <p:nvSpPr>
+          <p:cNvPr id="59" name="Flowchart: Document 58"/>
+          <p:cNvSpPr/>
+          <p:nvPr/>
+        </p:nvSpPr>
+        <p:spPr>
+          <a:xfrm>
+            <a:off x="402278" y="4328510"/>
+            <a:ext cx="1271229" cy="1074656"/>
+          </a:xfrm>
+          <a:prstGeom prst="flowChartDocument">
+            <a:avLst/>
+          </a:prstGeom>
+          <a:solidFill>
+            <a:schemeClr val="accent2"/>
+          </a:solidFill>
+          <a:ln>
+            <a:solidFill>
+              <a:schemeClr val="accent1"/>
+            </a:solidFill>
+          </a:ln>
+        </p:spPr>
+        <p:txBody>
+          <a:bodyPr wrap="square" lIns="0" tIns="0" rIns="0" bIns="0" rtlCol="1" anchor="ctr">
+            <a:noAutofit/>
+          </a:bodyPr>
+          <a:lstStyle/>
+          <a:p>
+            <a:pPr algn="ctr"/>
+            <a:r>
+              <a:rPr lang="en-US" sz="1200" dirty="0">
+                <a:solidFill>
+                  <a:prstClr val="white"/>
+                </a:solidFill>
+                <a:latin typeface="Arial"/>
+              </a:rPr>
+              <a:t>SWIFT, Local Clearing</a:t>
+            </a:r>
+            <a:endParaRPr lang="he-IL" sz="1200" dirty="0">
+              <a:solidFill>
+                <a:prstClr val="white"/>
+              </a:solidFill>
+              <a:latin typeface="Arial"/>
+            </a:endParaRPr>
+          </a:p>
+        </p:txBody>
+      </p:sp>
+      <p:cxnSp>
+        <p:nvCxnSpPr>
+          <p:cNvPr id="61" name="Straight Arrow Connector 60"/>
+          <p:cNvCxnSpPr>
+            <a:stCxn id="57" idx="1"/>
+            <a:endCxn id="59" idx="3"/>
+          </p:cNvCxnSpPr>
+          <p:nvPr/>
+        </p:nvCxnSpPr>
+        <p:spPr>
+          <a:xfrm flipH="1" flipV="1">
+            <a:off x="1673507" y="4865838"/>
+            <a:ext cx="483901" cy="7013"/>
+          </a:xfrm>
+          <a:prstGeom prst="straightConnector1">
+            <a:avLst/>
+          </a:prstGeom>
+          <a:ln w="41275" cmpd="sng">
+            <a:solidFill>
+              <a:schemeClr val="accent2"/>
+            </a:solidFill>
+            <a:prstDash val="sysDot"/>
+            <a:tailEnd type="triangle"/>
+          </a:ln>
+        </p:spPr>
+        <p:style>
+          <a:lnRef idx="1">
+            <a:schemeClr val="accent1"/>
+          </a:lnRef>
+          <a:fillRef idx="0">
+            <a:schemeClr val="accent1"/>
+          </a:fillRef>
+          <a:effectRef idx="0">
+            <a:schemeClr val="accent1"/>
+          </a:effectRef>
+          <a:fontRef idx="minor">
+            <a:schemeClr val="tx1"/>
+          </a:fontRef>
+        </p:style>
+      </p:cxnSp>
+      <p:sp>
+        <p:nvSpPr>
+          <p:cNvPr id="65" name="TextBox 64"/>
+          <p:cNvSpPr txBox="1"/>
+          <p:nvPr/>
+        </p:nvSpPr>
+        <p:spPr>
+          <a:xfrm>
+            <a:off x="4553389" y="5862301"/>
+            <a:ext cx="1941920" cy="311084"/>
+          </a:xfrm>
+          <a:prstGeom prst="rect">
+            <a:avLst/>
+          </a:prstGeom>
+          <a:solidFill>
+            <a:schemeClr val="bg2"/>
+          </a:solidFill>
+          <a:ln>
+            <a:solidFill>
+              <a:schemeClr val="accent2">
+                <a:lumMod val="40000"/>
+                <a:lumOff val="60000"/>
+                <a:alpha val="44000"/>
+              </a:schemeClr>
+            </a:solidFill>
+          </a:ln>
+        </p:spPr>
+        <p:txBody>
+          <a:bodyPr wrap="square" lIns="0" tIns="0" rIns="0" bIns="0" rtlCol="1" anchor="ctr">
+            <a:noAutofit/>
+          </a:bodyPr>
+          <a:lstStyle>
+            <a:defPPr>
+              <a:defRPr lang="en-US"/>
+            </a:defPPr>
+            <a:lvl1pPr marR="0" lvl="0" indent="0" algn="ctr" fontAlgn="auto">
+              <a:lnSpc>
+                <a:spcPct val="100000"/>
+              </a:lnSpc>
+              <a:spcBef>
+                <a:spcPts val="0"/>
+              </a:spcBef>
+              <a:spcAft>
+                <a:spcPts val="0"/>
+              </a:spcAft>
+              <a:buClrTx/>
+              <a:buSzTx/>
+              <a:buFontTx/>
+              <a:buNone/>
+              <a:tabLst/>
+              <a:defRPr kumimoji="0" sz="1200" b="0" i="0" u="none" strike="noStrike" cap="none" spc="0" normalizeH="0" baseline="0">
+                <a:ln>
+                  <a:noFill/>
+                </a:ln>
+                <a:solidFill>
+                  <a:srgbClr val="E5E5E5">
+                    <a:lumMod val="75000"/>
+                  </a:srgbClr>
+                </a:solidFill>
+                <a:effectLst/>
+                <a:uLnTx/>
+                <a:uFillTx/>
+                <a:latin typeface="Arial"/>
+              </a:defRPr>
+            </a:lvl1pPr>
+          </a:lstStyle>
+          <a:p>
+            <a:r>
+              <a:rPr lang="en-US" dirty="0"/>
+              <a:t>Balance Inquiry</a:t>
+            </a:r>
+            <a:endParaRPr lang="he-IL" dirty="0" err="1"/>
+          </a:p>
+        </p:txBody>
+      </p:sp>
+      <p:cxnSp>
+        <p:nvCxnSpPr>
+          <p:cNvPr id="66" name="Straight Arrow Connector 65"/>
+          <p:cNvCxnSpPr>
+            <a:endCxn id="65" idx="0"/>
+          </p:cNvCxnSpPr>
+          <p:nvPr/>
+        </p:nvCxnSpPr>
+        <p:spPr>
+          <a:xfrm>
+            <a:off x="5524349" y="5292343"/>
+            <a:ext cx="0" cy="569958"/>
+          </a:xfrm>
+          <a:prstGeom prst="straightConnector1">
+            <a:avLst/>
+          </a:prstGeom>
+          <a:ln w="41275" cmpd="sng">
+            <a:solidFill>
+              <a:schemeClr val="bg1">
+                <a:lumMod val="75000"/>
+              </a:schemeClr>
+            </a:solidFill>
+            <a:prstDash val="sysDot"/>
+            <a:tailEnd type="triangle"/>
+          </a:ln>
+        </p:spPr>
+        <p:style>
+          <a:lnRef idx="1">
+            <a:schemeClr val="accent1"/>
+          </a:lnRef>
+          <a:fillRef idx="0">
+            <a:schemeClr val="accent1"/>
+          </a:fillRef>
+          <a:effectRef idx="0">
+            <a:schemeClr val="accent1"/>
+          </a:effectRef>
+          <a:fontRef idx="minor">
+            <a:schemeClr val="tx1"/>
+          </a:fontRef>
+        </p:style>
+      </p:cxnSp>
+      <p:sp>
+        <p:nvSpPr>
+          <p:cNvPr id="67" name="TextBox 66"/>
+          <p:cNvSpPr txBox="1"/>
+          <p:nvPr/>
+        </p:nvSpPr>
+        <p:spPr>
+          <a:xfrm>
+            <a:off x="2157408" y="5872454"/>
+            <a:ext cx="1941921" cy="311084"/>
+          </a:xfrm>
+          <a:prstGeom prst="rect">
+            <a:avLst/>
+          </a:prstGeom>
+          <a:solidFill>
+            <a:schemeClr val="bg2"/>
+          </a:solidFill>
+          <a:ln>
+            <a:solidFill>
+              <a:schemeClr val="accent2">
+                <a:lumMod val="40000"/>
+                <a:lumOff val="60000"/>
+                <a:alpha val="44000"/>
+              </a:schemeClr>
+            </a:solidFill>
+          </a:ln>
+        </p:spPr>
+        <p:txBody>
+          <a:bodyPr wrap="square" lIns="0" tIns="0" rIns="0" bIns="0" rtlCol="1" anchor="ctr">
+            <a:noAutofit/>
+          </a:bodyPr>
+          <a:lstStyle>
+            <a:defPPr>
+              <a:defRPr lang="en-US"/>
+            </a:defPPr>
+            <a:lvl1pPr marR="0" lvl="0" indent="0" algn="ctr" fontAlgn="auto">
+              <a:lnSpc>
+                <a:spcPct val="100000"/>
+              </a:lnSpc>
+              <a:spcBef>
+                <a:spcPts val="0"/>
+              </a:spcBef>
+              <a:spcAft>
+                <a:spcPts val="0"/>
+              </a:spcAft>
+              <a:buClrTx/>
+              <a:buSzTx/>
+              <a:buFontTx/>
+              <a:buNone/>
+              <a:tabLst/>
+              <a:defRPr kumimoji="0" sz="1200" b="0" i="0" u="none" strike="noStrike" cap="none" spc="0" normalizeH="0" baseline="0">
+                <a:ln>
+                  <a:noFill/>
+                </a:ln>
+                <a:solidFill>
+                  <a:prstClr val="white"/>
+                </a:solidFill>
+                <a:effectLst/>
+                <a:uLnTx/>
+                <a:uFillTx/>
+                <a:latin typeface="Arial"/>
+              </a:defRPr>
+            </a:lvl1pPr>
+          </a:lstStyle>
+          <a:p>
+            <a:r>
+              <a:rPr lang="en-US" dirty="0"/>
+              <a:t>Accounting System</a:t>
+            </a:r>
+            <a:endParaRPr lang="he-IL" dirty="0" err="1"/>
+          </a:p>
+        </p:txBody>
+      </p:sp>
+      <p:cxnSp>
+        <p:nvCxnSpPr>
+          <p:cNvPr id="68" name="Straight Arrow Connector 67"/>
+          <p:cNvCxnSpPr>
+            <a:endCxn id="67" idx="0"/>
+          </p:cNvCxnSpPr>
+          <p:nvPr/>
+        </p:nvCxnSpPr>
+        <p:spPr>
+          <a:xfrm flipH="1">
+            <a:off x="3128369" y="5292343"/>
+            <a:ext cx="1" cy="580111"/>
+          </a:xfrm>
+          <a:prstGeom prst="straightConnector1">
+            <a:avLst/>
+          </a:prstGeom>
+          <a:ln w="41275" cmpd="sng">
+            <a:solidFill>
+              <a:schemeClr val="bg1">
+                <a:lumMod val="75000"/>
+              </a:schemeClr>
+            </a:solidFill>
+            <a:prstDash val="sysDot"/>
+            <a:tailEnd type="triangle"/>
+          </a:ln>
+        </p:spPr>
+        <p:style>
+          <a:lnRef idx="1">
+            <a:schemeClr val="accent1"/>
+          </a:lnRef>
+          <a:fillRef idx="0">
+            <a:schemeClr val="accent1"/>
+          </a:fillRef>
+          <a:effectRef idx="0">
+            <a:schemeClr val="accent1"/>
+          </a:effectRef>
+          <a:fontRef idx="minor">
+            <a:schemeClr val="tx1"/>
+          </a:fontRef>
+        </p:style>
+      </p:cxnSp>
+      <p:cxnSp>
+        <p:nvCxnSpPr>
+          <p:cNvPr id="38" name="Straight Arrow Connector 37"/>
+          <p:cNvCxnSpPr>
+            <a:stCxn id="20" idx="0"/>
+          </p:cNvCxnSpPr>
+          <p:nvPr/>
+        </p:nvCxnSpPr>
+        <p:spPr>
+          <a:xfrm flipH="1" flipV="1">
+            <a:off x="7913312" y="1578911"/>
+            <a:ext cx="7017" cy="584461"/>
+          </a:xfrm>
+          <a:prstGeom prst="straightConnector1">
+            <a:avLst/>
+          </a:prstGeom>
+          <a:ln w="41275" cmpd="sng">
+            <a:solidFill>
+              <a:schemeClr val="bg1">
+                <a:lumMod val="75000"/>
+              </a:schemeClr>
+            </a:solidFill>
+            <a:prstDash val="sysDot"/>
+            <a:tailEnd type="triangle"/>
+          </a:ln>
+        </p:spPr>
+        <p:style>
+          <a:lnRef idx="1">
+            <a:schemeClr val="accent1"/>
+          </a:lnRef>
+          <a:fillRef idx="0">
+            <a:schemeClr val="accent1"/>
+          </a:fillRef>
+          <a:effectRef idx="0">
+            <a:schemeClr val="accent1"/>
+          </a:effectRef>
+          <a:fontRef idx="minor">
+            <a:schemeClr val="tx1"/>
+          </a:fontRef>
+        </p:style>
+      </p:cxnSp>
+      <p:sp>
+        <p:nvSpPr>
+          <p:cNvPr id="39" name="TextBox 38"/>
+          <p:cNvSpPr txBox="1"/>
+          <p:nvPr/>
+        </p:nvSpPr>
+        <p:spPr>
+          <a:xfrm>
+            <a:off x="2116320" y="1322618"/>
+            <a:ext cx="1941922" cy="311084"/>
+          </a:xfrm>
+          <a:prstGeom prst="rect">
+            <a:avLst/>
+          </a:prstGeom>
+          <a:solidFill>
+            <a:schemeClr val="accent2"/>
+          </a:solidFill>
+          <a:ln>
+            <a:solidFill>
+              <a:schemeClr val="accent1"/>
+            </a:solidFill>
+          </a:ln>
+        </p:spPr>
+        <p:txBody>
+          <a:bodyPr wrap="square" lIns="0" tIns="0" rIns="0" bIns="0" rtlCol="1" anchor="ctr">
+            <a:noAutofit/>
+          </a:bodyPr>
+          <a:lstStyle>
+            <a:defPPr>
+              <a:defRPr lang="en-US"/>
+            </a:defPPr>
+            <a:lvl1pPr marR="0" lvl="0" indent="0" algn="ctr" fontAlgn="auto">
+              <a:lnSpc>
+                <a:spcPct val="100000"/>
+              </a:lnSpc>
+              <a:spcBef>
+                <a:spcPts val="0"/>
+              </a:spcBef>
+              <a:spcAft>
+                <a:spcPts val="0"/>
+              </a:spcAft>
+              <a:buClrTx/>
+              <a:buSzTx/>
+              <a:buFontTx/>
+              <a:buNone/>
+              <a:tabLst/>
+              <a:defRPr kumimoji="0" sz="1200" b="0" i="0" u="none" strike="noStrike" cap="none" spc="0" normalizeH="0" baseline="0">
+                <a:ln>
+                  <a:noFill/>
+                </a:ln>
+                <a:solidFill>
+                  <a:prstClr val="white"/>
+                </a:solidFill>
+                <a:effectLst/>
+                <a:uLnTx/>
+                <a:uFillTx/>
+                <a:latin typeface="Arial"/>
+              </a:defRPr>
+            </a:lvl1pPr>
+          </a:lstStyle>
+          <a:p>
+            <a:r>
+              <a:rPr lang="en-US" dirty="0"/>
+              <a:t>Advising System</a:t>
+            </a:r>
+            <a:endParaRPr lang="he-IL" dirty="0" err="1"/>
+          </a:p>
+        </p:txBody>
+      </p:sp>
+      <p:cxnSp>
+        <p:nvCxnSpPr>
+          <p:cNvPr id="40" name="Straight Arrow Connector 39"/>
+          <p:cNvCxnSpPr>
+            <a:stCxn id="39" idx="3"/>
+            <a:endCxn id="4" idx="1"/>
+          </p:cNvCxnSpPr>
+          <p:nvPr/>
+        </p:nvCxnSpPr>
+        <p:spPr>
+          <a:xfrm flipV="1">
+            <a:off x="4058242" y="1469268"/>
+            <a:ext cx="454059" cy="8892"/>
+          </a:xfrm>
+          <a:prstGeom prst="straightConnector1">
+            <a:avLst/>
+          </a:prstGeom>
+          <a:ln w="41275" cmpd="sng">
+            <a:solidFill>
+              <a:schemeClr val="accent2"/>
+            </a:solidFill>
+            <a:prstDash val="sysDot"/>
+            <a:headEnd type="triangle"/>
+            <a:tailEnd type="triangle"/>
+          </a:ln>
+        </p:spPr>
+        <p:style>
+          <a:lnRef idx="1">
+            <a:schemeClr val="accent1"/>
+          </a:lnRef>
+          <a:fillRef idx="0">
+            <a:schemeClr val="accent1"/>
+          </a:fillRef>
+          <a:effectRef idx="0">
+            <a:schemeClr val="accent1"/>
+          </a:effectRef>
+          <a:fontRef idx="minor">
+            <a:schemeClr val="tx1"/>
+          </a:fontRef>
+        </p:style>
+      </p:cxnSp>
+      <p:sp>
+        <p:nvSpPr>
+          <p:cNvPr id="4" name="TextBox 3"/>
+          <p:cNvSpPr txBox="1"/>
+          <p:nvPr/>
+        </p:nvSpPr>
+        <p:spPr>
+          <a:xfrm>
+            <a:off x="4512301" y="1118191"/>
+            <a:ext cx="1941921" cy="702153"/>
+          </a:xfrm>
+          <a:prstGeom prst="rect">
+            <a:avLst/>
+          </a:prstGeom>
+          <a:solidFill>
+            <a:schemeClr val="accent1">
+              <a:lumMod val="20000"/>
+              <a:lumOff val="80000"/>
+            </a:schemeClr>
+          </a:solidFill>
+          <a:ln>
+            <a:solidFill>
+              <a:schemeClr val="accent2"/>
+            </a:solidFill>
+          </a:ln>
+        </p:spPr>
+        <p:txBody>
+          <a:bodyPr wrap="square" lIns="0" tIns="0" rIns="0" bIns="0" rtlCol="1" anchor="ctr">
+            <a:noAutofit/>
+          </a:bodyPr>
+          <a:lstStyle>
+            <a:defPPr>
+              <a:defRPr lang="en-US"/>
+            </a:defPPr>
+            <a:lvl1pPr algn="ctr">
+              <a:defRPr sz="1200">
+                <a:solidFill>
+                  <a:prstClr val="black"/>
+                </a:solidFill>
+                <a:latin typeface="Arial"/>
+              </a:defRPr>
+            </a:lvl1pPr>
+          </a:lstStyle>
+          <a:p>
+            <a:r>
+              <a:rPr lang="en-US" dirty="0"/>
+              <a:t>Available at every complete or intermediate status</a:t>
+            </a:r>
+          </a:p>
+        </p:txBody>
+      </p:sp>
+      <p:sp>
+        <p:nvSpPr>
+          <p:cNvPr id="49" name="Rectangle 48"/>
+          <p:cNvSpPr/>
+          <p:nvPr/>
+        </p:nvSpPr>
+        <p:spPr>
+          <a:xfrm>
+            <a:off x="2157408" y="2281308"/>
+            <a:ext cx="4337900" cy="2893100"/>
+          </a:xfrm>
+          <a:prstGeom prst="rect">
+            <a:avLst/>
+          </a:prstGeom>
+          <a:solidFill>
+            <a:schemeClr val="accent1">
+              <a:lumMod val="20000"/>
+              <a:lumOff val="80000"/>
+            </a:schemeClr>
+          </a:solidFill>
+          <a:ln w="28575" cap="sq" cmpd="sng">
+            <a:solidFill>
+              <a:schemeClr val="accent2"/>
+            </a:solidFill>
             <a:bevel/>
           </a:ln>
         </p:spPr>
@@ -4828,211 +6923,60 @@
           </a:bodyPr>
           <a:lstStyle/>
           <a:p>
-            <a:pPr marL="411163" indent="-411163">
-              <a:lnSpc>
-                <a:spcPct val="90000"/>
-              </a:lnSpc>
-              <a:spcBef>
-                <a:spcPts val="1500"/>
-              </a:spcBef>
-              <a:buSzPct val="150000"/>
-              <a:buBlip>
-                <a:blip r:embed="rId3"/>
-              </a:buBlip>
+            <a:r>
+              <a:rPr lang="en-US" dirty="0"/>
+              <a:t>Notification/advice-related services and activities include: </a:t>
+            </a:r>
+            <a:endParaRPr lang="en-US" dirty="0" smtClean="0"/>
+          </a:p>
+          <a:p>
+            <a:endParaRPr lang="en-US" dirty="0"/>
+          </a:p>
+          <a:p>
+            <a:pPr marL="285750" indent="-285750">
+              <a:buFont typeface="Arial" panose="020B0604020202020204" pitchFamily="34" charset="0"/>
+              <a:buChar char="•"/>
             </a:pPr>
-            <a:endParaRPr lang="en-US" dirty="0" smtClean="0"/>
-          </a:p>
-          <a:p>
-            <a:pPr marL="411163" indent="-411163">
-              <a:lnSpc>
-                <a:spcPct val="90000"/>
-              </a:lnSpc>
-              <a:spcBef>
-                <a:spcPts val="1500"/>
-              </a:spcBef>
-              <a:buSzPct val="150000"/>
-              <a:buBlip>
-                <a:blip r:embed="rId3"/>
-              </a:buBlip>
+            <a:r>
+              <a:rPr lang="en-US" sz="1600" dirty="0" smtClean="0"/>
+              <a:t>Selecting </a:t>
+            </a:r>
+            <a:r>
+              <a:rPr lang="en-US" sz="1600" dirty="0"/>
+              <a:t>advice types that are candidates for generation using the Advising type selection rule </a:t>
+            </a:r>
+            <a:endParaRPr lang="en-US" sz="1600" dirty="0" smtClean="0"/>
+          </a:p>
+          <a:p>
+            <a:pPr marL="285750" indent="-285750">
+              <a:buFont typeface="Arial" panose="020B0604020202020204" pitchFamily="34" charset="0"/>
+              <a:buChar char="•"/>
             </a:pPr>
             <a:r>
-              <a:rPr lang="en-US" dirty="0" smtClean="0"/>
-              <a:t>Triggers </a:t>
-            </a:r>
-            <a:r>
-              <a:rPr lang="en-US" dirty="0"/>
-              <a:t>a notification to an external system with transaction information</a:t>
-            </a:r>
-            <a:r>
-              <a:rPr lang="en-US" dirty="0" smtClean="0"/>
-              <a:t>.</a:t>
-            </a:r>
-          </a:p>
-          <a:p>
-            <a:pPr>
-              <a:lnSpc>
-                <a:spcPct val="90000"/>
-              </a:lnSpc>
-              <a:spcBef>
-                <a:spcPts val="1500"/>
-              </a:spcBef>
-              <a:buSzPct val="150000"/>
+              <a:rPr lang="en-US" sz="1600" dirty="0"/>
+              <a:t>Determining whether advices are required for the debit account/party, credit account/party, and fee account </a:t>
+            </a:r>
+          </a:p>
+          <a:p>
+            <a:pPr marL="285750" indent="-285750">
+              <a:buFont typeface="Arial" panose="020B0604020202020204" pitchFamily="34" charset="0"/>
+              <a:buChar char="•"/>
             </a:pPr>
-            <a:endParaRPr lang="en-US" dirty="0" smtClean="0"/>
-          </a:p>
-          <a:p>
-            <a:pPr marL="411163" indent="-411163">
-              <a:lnSpc>
-                <a:spcPct val="90000"/>
-              </a:lnSpc>
-              <a:spcBef>
-                <a:spcPts val="1500"/>
-              </a:spcBef>
-              <a:buSzPct val="150000"/>
-              <a:buBlip>
-                <a:blip r:embed="rId3"/>
-              </a:buBlip>
-            </a:pPr>
-            <a:r>
-              <a:rPr lang="en-US" dirty="0" smtClean="0"/>
-              <a:t>GPP </a:t>
-            </a:r>
-            <a:r>
-              <a:rPr lang="en-US" dirty="0"/>
-              <a:t>generates the following types of </a:t>
-            </a:r>
-            <a:r>
-              <a:rPr lang="en-US" dirty="0" smtClean="0"/>
-              <a:t>acknowledgments/Advising:</a:t>
-            </a:r>
-          </a:p>
-          <a:p>
-            <a:pPr marL="411163" indent="-411163">
-              <a:lnSpc>
-                <a:spcPct val="90000"/>
-              </a:lnSpc>
-              <a:spcBef>
-                <a:spcPts val="1500"/>
-              </a:spcBef>
-              <a:buSzPct val="150000"/>
-              <a:buBlip>
-                <a:blip r:embed="rId3"/>
-              </a:buBlip>
-            </a:pPr>
-            <a:r>
-              <a:rPr lang="en-US" dirty="0" smtClean="0"/>
-              <a:t> Pain.002</a:t>
-            </a:r>
-          </a:p>
-          <a:p>
-            <a:pPr marL="411163" indent="-411163">
-              <a:lnSpc>
-                <a:spcPct val="90000"/>
-              </a:lnSpc>
-              <a:spcBef>
-                <a:spcPts val="1500"/>
-              </a:spcBef>
-              <a:buSzPct val="150000"/>
-              <a:buBlip>
-                <a:blip r:embed="rId3"/>
-              </a:buBlip>
-            </a:pPr>
-            <a:r>
-              <a:rPr lang="en-US" dirty="0" smtClean="0"/>
-              <a:t>MT900</a:t>
-            </a:r>
-          </a:p>
-          <a:p>
-            <a:pPr marL="411163" indent="-411163">
-              <a:lnSpc>
-                <a:spcPct val="90000"/>
-              </a:lnSpc>
-              <a:spcBef>
-                <a:spcPts val="1500"/>
-              </a:spcBef>
-              <a:buSzPct val="150000"/>
-              <a:buBlip>
-                <a:blip r:embed="rId3"/>
-              </a:buBlip>
-            </a:pPr>
-            <a:r>
-              <a:rPr lang="en-US" dirty="0" smtClean="0"/>
-              <a:t>MT910</a:t>
-            </a:r>
-          </a:p>
-          <a:p>
-            <a:pPr marL="411163" indent="-411163">
-              <a:lnSpc>
-                <a:spcPct val="90000"/>
-              </a:lnSpc>
-              <a:spcBef>
-                <a:spcPts val="1500"/>
-              </a:spcBef>
-              <a:buSzPct val="150000"/>
-              <a:buBlip>
-                <a:blip r:embed="rId3"/>
-              </a:buBlip>
-            </a:pPr>
-            <a:r>
-              <a:rPr lang="en-US" dirty="0" smtClean="0"/>
-              <a:t>FULL FNDT message</a:t>
-            </a:r>
-          </a:p>
-          <a:p>
-            <a:pPr lvl="0"/>
-            <a:r>
-              <a:rPr lang="en-GB" dirty="0" smtClean="0"/>
-              <a:t/>
-            </a:r>
-            <a:br>
-              <a:rPr lang="en-GB" dirty="0" smtClean="0"/>
-            </a:br>
-            <a:r>
-              <a:rPr lang="en-GB" dirty="0" smtClean="0"/>
-              <a:t>       </a:t>
-            </a:r>
-            <a:endParaRPr lang="en-US" b="1" dirty="0" smtClean="0">
-              <a:solidFill>
-                <a:schemeClr val="accent2"/>
-              </a:solidFill>
-              <a:latin typeface="Courier" pitchFamily="49" charset="0"/>
-            </a:endParaRPr>
-          </a:p>
-          <a:p>
-            <a:pPr>
-              <a:lnSpc>
-                <a:spcPct val="90000"/>
-              </a:lnSpc>
-              <a:spcBef>
-                <a:spcPts val="1500"/>
-              </a:spcBef>
-              <a:buSzPct val="150000"/>
-            </a:pPr>
-            <a:endParaRPr lang="en-US" b="1" dirty="0">
-              <a:solidFill>
-                <a:schemeClr val="accent2"/>
-              </a:solidFill>
-              <a:latin typeface="Courier" pitchFamily="49" charset="0"/>
-            </a:endParaRPr>
-          </a:p>
-          <a:p>
-            <a:pPr>
-              <a:lnSpc>
-                <a:spcPct val="90000"/>
-              </a:lnSpc>
-              <a:spcBef>
-                <a:spcPts val="1500"/>
-              </a:spcBef>
-              <a:buSzPct val="150000"/>
-            </a:pPr>
-            <a:endParaRPr lang="en-US" dirty="0"/>
+            <a:r>
+              <a:rPr lang="en-US" sz="1600" dirty="0" smtClean="0"/>
+              <a:t>Generating</a:t>
+            </a:r>
+            <a:r>
+              <a:rPr lang="en-US" sz="1600" dirty="0"/>
+              <a:t>, sending and registering interface advices</a:t>
+            </a:r>
           </a:p>
         </p:txBody>
       </p:sp>
     </p:spTree>
     <p:extLst>
       <p:ext uri="{BB962C8B-B14F-4D97-AF65-F5344CB8AC3E}">
-        <p14:creationId xmlns:p14="http://schemas.microsoft.com/office/powerpoint/2010/main" val="1450506572"/>
+        <p14:creationId xmlns:p14="http://schemas.microsoft.com/office/powerpoint/2010/main" val="360369647"/>
       </p:ext>
     </p:extLst>
   </p:cSld>
@@ -5094,16 +7038,16 @@
           <a:lstStyle/>
           <a:p>
             <a:r>
-              <a:rPr lang="en-US" dirty="0" err="1" smtClean="0">
+              <a:rPr lang="en-US" dirty="0" smtClean="0">
                 <a:solidFill>
                   <a:schemeClr val="accent2"/>
                 </a:solidFill>
               </a:rPr>
-              <a:t>FndtMsg</a:t>
+              <a:t>Advising selection Rule</a:t>
             </a:r>
             <a:r>
               <a:rPr lang="en-US" dirty="0" smtClean="0"/>
-              <a:t> XML Sections </a:t>
+              <a:t> </a:t>
             </a:r>
             <a:endParaRPr lang="en-GB" dirty="0"/>
           </a:p>
@@ -5127,7 +7071,7 @@
             <a:fld id="{BC3F1638-3586-4527-A760-38AC15BFC248}" type="datetime4">
               <a:rPr lang="en-GB" smtClean="0"/>
               <a:pPr/>
-              <a:t>18 February 2018</a:t>
+              <a:t>21 March 2018</a:t>
             </a:fld>
             <a:endParaRPr lang="en-GB" dirty="0"/>
           </a:p>
@@ -5166,7 +7110,7 @@
         <p:spPr>
           <a:xfrm>
             <a:off x="623888" y="1123721"/>
-            <a:ext cx="9120187" cy="2220608"/>
+            <a:ext cx="9120187" cy="4619726"/>
           </a:xfrm>
           <a:prstGeom prst="rect">
             <a:avLst/>
@@ -5196,19 +7140,64 @@
             </a:pPr>
             <a:r>
               <a:rPr lang="en-US" dirty="0"/>
-              <a:t>GPP generates the following types of </a:t>
-            </a:r>
-            <a:r>
-              <a:rPr lang="en-US" dirty="0" smtClean="0"/>
-              <a:t>acknowledgments </a:t>
-            </a:r>
+              <a:t>In order to trigger Advising, an advising selection rule needs to be set-up.</a:t>
+            </a:r>
+          </a:p>
+          <a:p>
+            <a:pPr marL="868363" lvl="1" indent="-411163">
+              <a:lnSpc>
+                <a:spcPct val="90000"/>
+              </a:lnSpc>
+              <a:spcBef>
+                <a:spcPts val="1500"/>
+              </a:spcBef>
+              <a:buSzPct val="150000"/>
+              <a:buBlip>
+                <a:blip r:embed="rId3"/>
+              </a:buBlip>
+            </a:pPr>
             <a:r>
               <a:rPr lang="en-US" dirty="0"/>
-              <a:t>(both in pain.002 format):</a:t>
-            </a:r>
-          </a:p>
-          <a:p>
-            <a:pPr>
+              <a:t>Rule </a:t>
+            </a:r>
+          </a:p>
+          <a:p>
+            <a:pPr marL="868363" lvl="1" indent="-411163">
+              <a:lnSpc>
+                <a:spcPct val="90000"/>
+              </a:lnSpc>
+              <a:spcBef>
+                <a:spcPts val="1500"/>
+              </a:spcBef>
+              <a:buSzPct val="150000"/>
+              <a:buBlip>
+                <a:blip r:embed="rId3"/>
+              </a:buBlip>
+            </a:pPr>
+            <a:endParaRPr lang="en-US" sz="1600" b="1" dirty="0">
+              <a:solidFill>
+                <a:schemeClr val="accent2"/>
+              </a:solidFill>
+              <a:latin typeface="Courier" pitchFamily="49" charset="0"/>
+            </a:endParaRPr>
+          </a:p>
+          <a:p>
+            <a:pPr marL="868363" lvl="1" indent="-411163">
+              <a:lnSpc>
+                <a:spcPct val="90000"/>
+              </a:lnSpc>
+              <a:spcBef>
+                <a:spcPts val="1500"/>
+              </a:spcBef>
+              <a:buSzPct val="150000"/>
+              <a:buBlip>
+                <a:blip r:embed="rId3"/>
+              </a:buBlip>
+            </a:pPr>
+            <a:endParaRPr lang="en-US" sz="1600" dirty="0" smtClean="0"/>
+          </a:p>
+          <a:p>
+            <a:pPr lvl="1">
               <a:lnSpc>
                 <a:spcPct val="90000"/>
               </a:lnSpc>
@@ -5217,41 +7206,10 @@
               </a:spcBef>
               <a:buSzPct val="150000"/>
             </a:pPr>
-            <a:endParaRPr lang="en-US" b="1" dirty="0" smtClean="0">
-              <a:solidFill>
-                <a:schemeClr val="accent2"/>
-              </a:solidFill>
-              <a:latin typeface="Courier" pitchFamily="49" charset="0"/>
-            </a:endParaRPr>
-          </a:p>
-          <a:p>
-            <a:pPr lvl="0"/>
-            <a:r>
-              <a:rPr lang="en-GB" dirty="0" smtClean="0"/>
-              <a:t>      ACK</a:t>
-            </a:r>
-            <a:r>
-              <a:rPr lang="en-GB" dirty="0"/>
-              <a:t>: A positive acknowledgment message</a:t>
-            </a:r>
-          </a:p>
-          <a:p>
-            <a:r>
-              <a:rPr lang="en-GB" dirty="0" smtClean="0"/>
-              <a:t>      NAK</a:t>
-            </a:r>
-            <a:r>
-              <a:rPr lang="en-GB" dirty="0"/>
-              <a:t>: A negative acknowledgment message</a:t>
-            </a:r>
-            <a:endParaRPr lang="en-US" dirty="0">
-              <a:solidFill>
-                <a:schemeClr val="tx2"/>
-              </a:solidFill>
-            </a:endParaRPr>
-          </a:p>
-          <a:p>
-            <a:pPr>
+            <a:endParaRPr lang="en-US" sz="1600" dirty="0"/>
+          </a:p>
+          <a:p>
+            <a:pPr lvl="1">
               <a:lnSpc>
                 <a:spcPct val="90000"/>
               </a:lnSpc>
@@ -5260,15 +7218,28 @@
               </a:spcBef>
               <a:buSzPct val="150000"/>
             </a:pPr>
-            <a:endParaRPr lang="en-US" b="1" dirty="0" smtClean="0">
-              <a:solidFill>
-                <a:schemeClr val="accent2"/>
-              </a:solidFill>
-              <a:latin typeface="Courier" pitchFamily="49" charset="0"/>
-            </a:endParaRPr>
-          </a:p>
-          <a:p>
-            <a:pPr>
+            <a:endParaRPr lang="en-US" sz="1600" dirty="0" smtClean="0"/>
+          </a:p>
+          <a:p>
+            <a:pPr marL="868363" lvl="1" indent="-411163">
+              <a:lnSpc>
+                <a:spcPct val="90000"/>
+              </a:lnSpc>
+              <a:spcBef>
+                <a:spcPts val="1500"/>
+              </a:spcBef>
+              <a:buSzPct val="150000"/>
+              <a:buBlip>
+                <a:blip r:embed="rId3"/>
+              </a:buBlip>
+            </a:pPr>
+            <a:r>
+              <a:rPr lang="en-US" dirty="0"/>
+              <a:t>The action of rule 172 set the advising Type and structure. </a:t>
+            </a:r>
+          </a:p>
+          <a:p>
+            <a:pPr lvl="1">
               <a:lnSpc>
                 <a:spcPct val="90000"/>
               </a:lnSpc>
@@ -5278,29 +7249,79 @@
               <a:buSzPct val="150000"/>
             </a:pPr>
             <a:r>
-              <a:rPr lang="en-US" b="1" dirty="0">
-                <a:solidFill>
-                  <a:schemeClr val="accent2"/>
-                </a:solidFill>
-                <a:latin typeface="Courier" pitchFamily="49" charset="0"/>
-              </a:rPr>
+              <a:rPr lang="en-US" dirty="0" smtClean="0"/>
+              <a:t>       For </a:t>
+            </a:r>
+            <a:r>
+              <a:rPr lang="en-US" dirty="0"/>
+              <a:t>example: </a:t>
+            </a:r>
+            <a:r>
+              <a:rPr lang="en-US" dirty="0" smtClean="0"/>
+              <a:t>Acknowledgment </a:t>
+            </a:r>
+            <a:r>
+              <a:rPr lang="en-US" dirty="0"/>
+              <a:t>for Pain.001 will be “pure” Pain.002</a:t>
+            </a:r>
+            <a:r>
+              <a:rPr lang="en-US" dirty="0" smtClean="0"/>
+              <a:t>, without                                                                  </a:t>
+            </a:r>
+          </a:p>
+          <a:p>
+            <a:pPr lvl="1">
+              <a:lnSpc>
+                <a:spcPct val="90000"/>
+              </a:lnSpc>
+              <a:spcBef>
+                <a:spcPts val="1500"/>
+              </a:spcBef>
+              <a:buSzPct val="150000"/>
+            </a:pPr>
+            <a:r>
+              <a:rPr lang="en-US" dirty="0"/>
               <a:t> </a:t>
             </a:r>
             <a:r>
-              <a:rPr lang="en-US" b="1" dirty="0" smtClean="0">
-                <a:solidFill>
-                  <a:schemeClr val="accent2"/>
-                </a:solidFill>
-                <a:latin typeface="Courier" pitchFamily="49" charset="0"/>
-              </a:rPr>
-              <a:t> </a:t>
-            </a:r>
-            <a:endParaRPr lang="en-US" b="1" dirty="0" smtClean="0">
-              <a:solidFill>
-                <a:schemeClr val="accent2"/>
-              </a:solidFill>
-              <a:latin typeface="Courier" pitchFamily="49" charset="0"/>
-            </a:endParaRPr>
+              <a:rPr lang="en-US" dirty="0" smtClean="0"/>
+              <a:t>      FNDT  message.</a:t>
+            </a:r>
+          </a:p>
+          <a:p>
+            <a:pPr lvl="1">
+              <a:lnSpc>
+                <a:spcPct val="90000"/>
+              </a:lnSpc>
+              <a:spcBef>
+                <a:spcPts val="1500"/>
+              </a:spcBef>
+              <a:buSzPct val="150000"/>
+            </a:pPr>
+            <a:r>
+              <a:rPr lang="en-US" dirty="0" smtClean="0"/>
+              <a:t>       Advice can be FULL FNDT message according to the in</a:t>
+            </a:r>
+            <a:r>
+              <a:rPr lang="en-US" dirty="0"/>
+              <a:t>terfa</a:t>
+            </a:r>
+            <a:r>
+              <a:rPr lang="en-US" dirty="0" smtClean="0"/>
+              <a:t>ce type</a:t>
+            </a:r>
+          </a:p>
+          <a:p>
+            <a:pPr lvl="1">
+              <a:lnSpc>
+                <a:spcPct val="90000"/>
+              </a:lnSpc>
+              <a:spcBef>
+                <a:spcPts val="1500"/>
+              </a:spcBef>
+              <a:buSzPct val="150000"/>
+            </a:pPr>
+            <a:endParaRPr lang="he-IL" sz="1600" dirty="0"/>
           </a:p>
         </p:txBody>
       </p:sp>
@@ -5320,8 +7341,8 @@
         </p:blipFill>
         <p:spPr>
           <a:xfrm>
-            <a:off x="2326313" y="2695215"/>
-            <a:ext cx="6883788" cy="3485717"/>
+            <a:off x="1227626" y="2291180"/>
+            <a:ext cx="3171825" cy="781050"/>
           </a:xfrm>
           <a:prstGeom prst="rect">
             <a:avLst/>
@@ -5331,7 +7352,7 @@
     </p:spTree>
     <p:extLst>
       <p:ext uri="{BB962C8B-B14F-4D97-AF65-F5344CB8AC3E}">
-        <p14:creationId xmlns:p14="http://schemas.microsoft.com/office/powerpoint/2010/main" val="2926925775"/>
+        <p14:creationId xmlns:p14="http://schemas.microsoft.com/office/powerpoint/2010/main" val="147809726"/>
       </p:ext>
     </p:extLst>
   </p:cSld>
@@ -5393,6 +7414,299 @@
           <a:lstStyle/>
           <a:p>
             <a:r>
+              <a:rPr lang="en-US" dirty="0" err="1" smtClean="0">
+                <a:solidFill>
+                  <a:schemeClr val="accent2"/>
+                </a:solidFill>
+              </a:rPr>
+              <a:t>FndtMsg</a:t>
+            </a:r>
+            <a:r>
+              <a:rPr lang="en-US" dirty="0" smtClean="0"/>
+              <a:t> XML Sections </a:t>
+            </a:r>
+            <a:endParaRPr lang="en-GB" dirty="0"/>
+          </a:p>
+        </p:txBody>
+      </p:sp>
+      <p:sp>
+        <p:nvSpPr>
+          <p:cNvPr id="5" name="Date Placeholder 4"/>
+          <p:cNvSpPr>
+            <a:spLocks noGrp="1"/>
+          </p:cNvSpPr>
+          <p:nvPr>
+            <p:ph type="dt" sz="half" idx="10"/>
+          </p:nvPr>
+        </p:nvSpPr>
+        <p:spPr/>
+        <p:txBody>
+          <a:bodyPr/>
+          <a:lstStyle/>
+          <a:p>
+            <a:fld id="{BC3F1638-3586-4527-A760-38AC15BFC248}" type="datetime4">
+              <a:rPr lang="en-GB" smtClean="0"/>
+              <a:pPr/>
+              <a:t>21 March 2018</a:t>
+            </a:fld>
+            <a:endParaRPr lang="en-GB" dirty="0"/>
+          </a:p>
+        </p:txBody>
+      </p:sp>
+      <p:sp>
+        <p:nvSpPr>
+          <p:cNvPr id="6" name="Slide Number Placeholder 5"/>
+          <p:cNvSpPr>
+            <a:spLocks noGrp="1"/>
+          </p:cNvSpPr>
+          <p:nvPr>
+            <p:ph type="sldNum" sz="quarter" idx="12"/>
+          </p:nvPr>
+        </p:nvSpPr>
+        <p:spPr/>
+        <p:txBody>
+          <a:bodyPr/>
+          <a:lstStyle/>
+          <a:p>
+            <a:fld id="{04095909-DC86-4C28-AD6E-431C997D4893}" type="slidenum">
+              <a:rPr lang="en-GB" smtClean="0"/>
+              <a:pPr/>
+              <a:t>6</a:t>
+            </a:fld>
+            <a:endParaRPr lang="en-GB" dirty="0"/>
+          </a:p>
+        </p:txBody>
+      </p:sp>
+      <p:sp>
+        <p:nvSpPr>
+          <p:cNvPr id="7" name="Rectangle 6"/>
+          <p:cNvSpPr/>
+          <p:nvPr/>
+        </p:nvSpPr>
+        <p:spPr>
+          <a:xfrm>
+            <a:off x="623888" y="1123721"/>
+            <a:ext cx="9120187" cy="2220608"/>
+          </a:xfrm>
+          <a:prstGeom prst="rect">
+            <a:avLst/>
+          </a:prstGeom>
+          <a:ln w="15875" cap="sq" cmpd="sng">
+            <a:noFill/>
+            <a:bevel/>
+          </a:ln>
+        </p:spPr>
+        <p:txBody>
+          <a:bodyPr wrap="square">
+            <a:spAutoFit/>
+          </a:bodyPr>
+          <a:lstStyle/>
+          <a:p>
+            <a:pPr marL="411163" indent="-411163">
+              <a:lnSpc>
+                <a:spcPct val="90000"/>
+              </a:lnSpc>
+              <a:spcBef>
+                <a:spcPts val="1500"/>
+              </a:spcBef>
+              <a:buSzPct val="150000"/>
+              <a:buBlip>
+                <a:blip r:embed="rId3"/>
+              </a:buBlip>
+            </a:pPr>
+            <a:r>
+              <a:rPr lang="en-US" dirty="0"/>
+              <a:t>GPP generates the following types of </a:t>
+            </a:r>
+            <a:r>
+              <a:rPr lang="en-US" dirty="0" smtClean="0"/>
+              <a:t>acknowledgments </a:t>
+            </a:r>
+            <a:r>
+              <a:rPr lang="en-US" dirty="0"/>
+              <a:t>(both in pain.002 format):</a:t>
+            </a:r>
+          </a:p>
+          <a:p>
+            <a:pPr>
+              <a:lnSpc>
+                <a:spcPct val="90000"/>
+              </a:lnSpc>
+              <a:spcBef>
+                <a:spcPts val="1500"/>
+              </a:spcBef>
+              <a:buSzPct val="150000"/>
+            </a:pPr>
+            <a:endParaRPr lang="en-US" b="1" dirty="0" smtClean="0">
+              <a:solidFill>
+                <a:schemeClr val="accent2"/>
+              </a:solidFill>
+              <a:latin typeface="Courier" pitchFamily="49" charset="0"/>
+            </a:endParaRPr>
+          </a:p>
+          <a:p>
+            <a:pPr lvl="0"/>
+            <a:r>
+              <a:rPr lang="en-GB" dirty="0" smtClean="0"/>
+              <a:t>      ACK</a:t>
+            </a:r>
+            <a:r>
+              <a:rPr lang="en-GB" dirty="0"/>
+              <a:t>: A positive acknowledgment message</a:t>
+            </a:r>
+          </a:p>
+          <a:p>
+            <a:r>
+              <a:rPr lang="en-GB" dirty="0" smtClean="0"/>
+              <a:t>      NAK</a:t>
+            </a:r>
+            <a:r>
+              <a:rPr lang="en-GB" dirty="0"/>
+              <a:t>: A negative acknowledgment message</a:t>
+            </a:r>
+            <a:endParaRPr lang="en-US" dirty="0">
+              <a:solidFill>
+                <a:schemeClr val="tx2"/>
+              </a:solidFill>
+            </a:endParaRPr>
+          </a:p>
+          <a:p>
+            <a:pPr>
+              <a:lnSpc>
+                <a:spcPct val="90000"/>
+              </a:lnSpc>
+              <a:spcBef>
+                <a:spcPts val="1500"/>
+              </a:spcBef>
+              <a:buSzPct val="150000"/>
+            </a:pPr>
+            <a:endParaRPr lang="en-US" b="1" dirty="0" smtClean="0">
+              <a:solidFill>
+                <a:schemeClr val="accent2"/>
+              </a:solidFill>
+              <a:latin typeface="Courier" pitchFamily="49" charset="0"/>
+            </a:endParaRPr>
+          </a:p>
+          <a:p>
+            <a:pPr>
+              <a:lnSpc>
+                <a:spcPct val="90000"/>
+              </a:lnSpc>
+              <a:spcBef>
+                <a:spcPts val="1500"/>
+              </a:spcBef>
+              <a:buSzPct val="150000"/>
+            </a:pPr>
+            <a:r>
+              <a:rPr lang="en-US" b="1" dirty="0">
+                <a:solidFill>
+                  <a:schemeClr val="accent2"/>
+                </a:solidFill>
+                <a:latin typeface="Courier" pitchFamily="49" charset="0"/>
+              </a:rPr>
+              <a:t> </a:t>
+            </a:r>
+            <a:r>
+              <a:rPr lang="en-US" b="1" dirty="0" smtClean="0">
+                <a:solidFill>
+                  <a:schemeClr val="accent2"/>
+                </a:solidFill>
+                <a:latin typeface="Courier" pitchFamily="49" charset="0"/>
+              </a:rPr>
+              <a:t> </a:t>
+            </a:r>
+          </a:p>
+        </p:txBody>
+      </p:sp>
+      <p:pic>
+        <p:nvPicPr>
+          <p:cNvPr id="2" name="Picture 1"/>
+          <p:cNvPicPr>
+            <a:picLocks noChangeAspect="1"/>
+          </p:cNvPicPr>
+          <p:nvPr/>
+        </p:nvPicPr>
+        <p:blipFill>
+          <a:blip r:embed="rId4"/>
+          <a:stretch>
+            <a:fillRect/>
+          </a:stretch>
+        </p:blipFill>
+        <p:spPr>
+          <a:xfrm>
+            <a:off x="2370701" y="2819503"/>
+            <a:ext cx="6883788" cy="3485717"/>
+          </a:xfrm>
+          <a:prstGeom prst="rect">
+            <a:avLst/>
+          </a:prstGeom>
+        </p:spPr>
+      </p:pic>
+    </p:spTree>
+    <p:extLst>
+      <p:ext uri="{BB962C8B-B14F-4D97-AF65-F5344CB8AC3E}">
+        <p14:creationId xmlns:p14="http://schemas.microsoft.com/office/powerpoint/2010/main" val="2926925775"/>
+      </p:ext>
+    </p:extLst>
+  </p:cSld>
+  <p:clrMapOvr>
+    <a:masterClrMapping/>
+  </p:clrMapOvr>
+  <mc:AlternateContent xmlns:mc="http://schemas.openxmlformats.org/markup-compatibility/2006" xmlns:p14="http://schemas.microsoft.com/office/powerpoint/2010/main">
+    <mc:Choice Requires="p14">
+      <p:transition spd="med" p14:dur="700">
+        <p:fade/>
+      </p:transition>
+    </mc:Choice>
+    <mc:Fallback xmlns="">
+      <p:transition spd="med">
+        <p:fade/>
+      </p:transition>
+    </mc:Fallback>
+  </mc:AlternateContent>
+  <p:timing>
+    <p:tnLst>
+      <p:par>
+        <p:cTn id="1" dur="indefinite" restart="never" nodeType="tmRoot"/>
+      </p:par>
+    </p:tnLst>
+  </p:timing>
+</p:sld>
+</file>
+
+<file path=ppt/slides/slide7.xml><?xml version="1.0" encoding="utf-8"?>
+<p:sld xmlns:a="http://schemas.openxmlformats.org/drawingml/2006/main" xmlns:r="http://schemas.openxmlformats.org/officeDocument/2006/relationships" xmlns:p="http://schemas.openxmlformats.org/presentationml/2006/main">
+  <p:cSld>
+    <p:spTree>
+      <p:nvGrpSpPr>
+        <p:cNvPr id="1" name=""/>
+        <p:cNvGrpSpPr/>
+        <p:nvPr/>
+      </p:nvGrpSpPr>
+      <p:grpSpPr>
+        <a:xfrm>
+          <a:off x="0" y="0"/>
+          <a:ext cx="0" cy="0"/>
+          <a:chOff x="0" y="0"/>
+          <a:chExt cx="0" cy="0"/>
+        </a:xfrm>
+      </p:grpSpPr>
+      <p:sp>
+        <p:nvSpPr>
+          <p:cNvPr id="11" name="Title 1"/>
+          <p:cNvSpPr>
+            <a:spLocks noGrp="1"/>
+          </p:cNvSpPr>
+          <p:nvPr>
+            <p:ph type="title"/>
+          </p:nvPr>
+        </p:nvSpPr>
+        <p:spPr/>
+        <p:txBody>
+          <a:bodyPr/>
+          <a:lstStyle/>
+          <a:p>
+            <a:r>
               <a:rPr lang="en-US" dirty="0" smtClean="0">
                 <a:solidFill>
                   <a:schemeClr val="accent2"/>
@@ -5422,7 +7736,7 @@
             <a:fld id="{BC3F1638-3586-4527-A760-38AC15BFC248}" type="datetime4">
               <a:rPr lang="en-GB" smtClean="0"/>
               <a:pPr/>
-              <a:t>20 February 2018</a:t>
+              <a:t>21 March 2018</a:t>
             </a:fld>
             <a:endParaRPr lang="en-GB" dirty="0"/>
           </a:p>
@@ -5446,7 +7760,7 @@
             <a:fld id="{04095909-DC86-4C28-AD6E-431C997D4893}" type="slidenum">
               <a:rPr lang="en-GB" smtClean="0"/>
               <a:pPr/>
-              <a:t>6</a:t>
+              <a:t>7</a:t>
             </a:fld>
             <a:endParaRPr lang="en-GB" dirty="0"/>
           </a:p>
@@ -5565,8 +7879,20 @@
                 <a:tableStyleId>{5C22544A-7EE6-4342-B048-85BDC9FD1C3A}</a:tableStyleId>
               </a:tblPr>
               <a:tblGrid>
-                <a:gridCol w="2551816"/>
-                <a:gridCol w="5972768"/>
+                <a:gridCol w="2551816">
+                  <a:extLst>
+                    <a:ext uri="{9D8B030D-6E8A-4147-A177-3AD203B41FA5}">
+                      <a16:colId xmlns:a16="http://schemas.microsoft.com/office/drawing/2014/main" val="20000"/>
+                    </a:ext>
+                  </a:extLst>
+                </a:gridCol>
+                <a:gridCol w="5972768">
+                  <a:extLst>
+                    <a:ext uri="{9D8B030D-6E8A-4147-A177-3AD203B41FA5}">
+                      <a16:colId xmlns:a16="http://schemas.microsoft.com/office/drawing/2014/main" val="20001"/>
+                    </a:ext>
+                  </a:extLst>
+                </a:gridCol>
               </a:tblGrid>
               <a:tr h="838149">
                 <a:tc>
@@ -5653,6 +7979,11 @@
                     </a:solidFill>
                   </a:tcPr>
                 </a:tc>
+                <a:extLst>
+                  <a:ext uri="{0D108BD9-81ED-4DB2-BD59-A6C34878D82A}">
+                    <a16:rowId xmlns:a16="http://schemas.microsoft.com/office/drawing/2014/main" val="10000"/>
+                  </a:ext>
+                </a:extLst>
               </a:tr>
               <a:tr h="881132">
                 <a:tc>
@@ -5742,6 +8073,11 @@
                     </a:solidFill>
                   </a:tcPr>
                 </a:tc>
+                <a:extLst>
+                  <a:ext uri="{0D108BD9-81ED-4DB2-BD59-A6C34878D82A}">
+                    <a16:rowId xmlns:a16="http://schemas.microsoft.com/office/drawing/2014/main" val="10001"/>
+                  </a:ext>
+                </a:extLst>
               </a:tr>
               <a:tr h="881132">
                 <a:tc>
@@ -5831,6 +8167,11 @@
                     </a:solidFill>
                   </a:tcPr>
                 </a:tc>
+                <a:extLst>
+                  <a:ext uri="{0D108BD9-81ED-4DB2-BD59-A6C34878D82A}">
+                    <a16:rowId xmlns:a16="http://schemas.microsoft.com/office/drawing/2014/main" val="10002"/>
+                  </a:ext>
+                </a:extLst>
               </a:tr>
               <a:tr h="881132">
                 <a:tc>
@@ -5920,6 +8261,11 @@
                     </a:solidFill>
                   </a:tcPr>
                 </a:tc>
+                <a:extLst>
+                  <a:ext uri="{0D108BD9-81ED-4DB2-BD59-A6C34878D82A}">
+                    <a16:rowId xmlns:a16="http://schemas.microsoft.com/office/drawing/2014/main" val="10003"/>
+                  </a:ext>
+                </a:extLst>
               </a:tr>
               <a:tr h="881132">
                 <a:tc>
@@ -6009,6 +8355,11 @@
                     </a:solidFill>
                   </a:tcPr>
                 </a:tc>
+                <a:extLst>
+                  <a:ext uri="{0D108BD9-81ED-4DB2-BD59-A6C34878D82A}">
+                    <a16:rowId xmlns:a16="http://schemas.microsoft.com/office/drawing/2014/main" val="10004"/>
+                  </a:ext>
+                </a:extLst>
               </a:tr>
             </a:tbl>
           </a:graphicData>
@@ -6018,580 +8369,6 @@
     <p:extLst>
       <p:ext uri="{BB962C8B-B14F-4D97-AF65-F5344CB8AC3E}">
         <p14:creationId xmlns:p14="http://schemas.microsoft.com/office/powerpoint/2010/main" val="1120442437"/>
-      </p:ext>
-    </p:extLst>
-  </p:cSld>
-  <p:clrMapOvr>
-    <a:masterClrMapping/>
-  </p:clrMapOvr>
-  <mc:AlternateContent xmlns:mc="http://schemas.openxmlformats.org/markup-compatibility/2006" xmlns:p14="http://schemas.microsoft.com/office/powerpoint/2010/main">
-    <mc:Choice Requires="p14">
-      <p:transition spd="med" p14:dur="700">
-        <p:fade/>
-      </p:transition>
-    </mc:Choice>
-    <mc:Fallback xmlns="">
-      <p:transition spd="med">
-        <p:fade/>
-      </p:transition>
-    </mc:Fallback>
-  </mc:AlternateContent>
-  <p:timing>
-    <p:tnLst>
-      <p:par>
-        <p:cTn id="1" dur="indefinite" restart="never" nodeType="tmRoot"/>
-      </p:par>
-    </p:tnLst>
-  </p:timing>
-</p:sld>
-</file>
-
-<file path=ppt/slides/slide7.xml><?xml version="1.0" encoding="utf-8"?>
-<p:sld xmlns:a="http://schemas.openxmlformats.org/drawingml/2006/main" xmlns:r="http://schemas.openxmlformats.org/officeDocument/2006/relationships" xmlns:p="http://schemas.openxmlformats.org/presentationml/2006/main">
-  <p:cSld>
-    <p:spTree>
-      <p:nvGrpSpPr>
-        <p:cNvPr id="1" name=""/>
-        <p:cNvGrpSpPr/>
-        <p:nvPr/>
-      </p:nvGrpSpPr>
-      <p:grpSpPr>
-        <a:xfrm>
-          <a:off x="0" y="0"/>
-          <a:ext cx="0" cy="0"/>
-          <a:chOff x="0" y="0"/>
-          <a:chExt cx="0" cy="0"/>
-        </a:xfrm>
-      </p:grpSpPr>
-      <p:sp>
-        <p:nvSpPr>
-          <p:cNvPr id="11" name="Title 1"/>
-          <p:cNvSpPr>
-            <a:spLocks noGrp="1"/>
-          </p:cNvSpPr>
-          <p:nvPr>
-            <p:ph type="title"/>
-          </p:nvPr>
-        </p:nvSpPr>
-        <p:spPr/>
-        <p:txBody>
-          <a:bodyPr/>
-          <a:lstStyle/>
-          <a:p>
-            <a:pPr>
-              <a:spcBef>
-                <a:spcPts val="300"/>
-              </a:spcBef>
-              <a:spcAft>
-                <a:spcPts val="200"/>
-              </a:spcAft>
-            </a:pPr>
-            <a:r>
-              <a:rPr lang="en-US" dirty="0">
-                <a:solidFill>
-                  <a:schemeClr val="accent2"/>
-                </a:solidFill>
-              </a:rPr>
-              <a:t>File level</a:t>
-            </a:r>
-            <a:endParaRPr lang="en-GB" dirty="0">
-              <a:solidFill>
-                <a:schemeClr val="accent2"/>
-              </a:solidFill>
-            </a:endParaRPr>
-          </a:p>
-        </p:txBody>
-      </p:sp>
-      <p:sp>
-        <p:nvSpPr>
-          <p:cNvPr id="5" name="Date Placeholder 4"/>
-          <p:cNvSpPr>
-            <a:spLocks noGrp="1"/>
-          </p:cNvSpPr>
-          <p:nvPr>
-            <p:ph type="dt" sz="half" idx="10"/>
-          </p:nvPr>
-        </p:nvSpPr>
-        <p:spPr/>
-        <p:txBody>
-          <a:bodyPr/>
-          <a:lstStyle/>
-          <a:p>
-            <a:fld id="{BC3F1638-3586-4527-A760-38AC15BFC248}" type="datetime4">
-              <a:rPr lang="en-GB" smtClean="0"/>
-              <a:pPr/>
-              <a:t>20 February 2018</a:t>
-            </a:fld>
-            <a:endParaRPr lang="en-GB" dirty="0"/>
-          </a:p>
-        </p:txBody>
-      </p:sp>
-      <p:sp>
-        <p:nvSpPr>
-          <p:cNvPr id="6" name="Slide Number Placeholder 5"/>
-          <p:cNvSpPr>
-            <a:spLocks noGrp="1"/>
-          </p:cNvSpPr>
-          <p:nvPr>
-            <p:ph type="sldNum" sz="quarter" idx="12"/>
-          </p:nvPr>
-        </p:nvSpPr>
-        <p:spPr/>
-        <p:txBody>
-          <a:bodyPr/>
-          <a:lstStyle/>
-          <a:p>
-            <a:fld id="{04095909-DC86-4C28-AD6E-431C997D4893}" type="slidenum">
-              <a:rPr lang="en-GB" smtClean="0"/>
-              <a:pPr/>
-              <a:t>7</a:t>
-            </a:fld>
-            <a:endParaRPr lang="en-GB" dirty="0"/>
-          </a:p>
-        </p:txBody>
-      </p:sp>
-      <p:sp>
-        <p:nvSpPr>
-          <p:cNvPr id="7" name="Rectangle 6"/>
-          <p:cNvSpPr/>
-          <p:nvPr/>
-        </p:nvSpPr>
-        <p:spPr>
-          <a:xfrm>
-            <a:off x="623888" y="1123721"/>
-            <a:ext cx="9120187" cy="5730800"/>
-          </a:xfrm>
-          <a:prstGeom prst="rect">
-            <a:avLst/>
-          </a:prstGeom>
-          <a:ln w="15875" cap="sq" cmpd="sng">
-            <a:noFill/>
-            <a:bevel/>
-          </a:ln>
-        </p:spPr>
-        <p:txBody>
-          <a:bodyPr wrap="square">
-            <a:spAutoFit/>
-          </a:bodyPr>
-          <a:lstStyle/>
-          <a:p>
-            <a:pPr marL="411163" indent="-411163">
-              <a:lnSpc>
-                <a:spcPct val="90000"/>
-              </a:lnSpc>
-              <a:spcBef>
-                <a:spcPts val="1500"/>
-              </a:spcBef>
-              <a:buSzPct val="150000"/>
-              <a:buBlip>
-                <a:blip r:embed="rId3"/>
-              </a:buBlip>
-            </a:pPr>
-            <a:endParaRPr lang="en-US" dirty="0" smtClean="0"/>
-          </a:p>
-          <a:p>
-            <a:pPr marL="411163" indent="-411163">
-              <a:lnSpc>
-                <a:spcPct val="90000"/>
-              </a:lnSpc>
-              <a:spcBef>
-                <a:spcPts val="1500"/>
-              </a:spcBef>
-              <a:buSzPct val="150000"/>
-              <a:buBlip>
-                <a:blip r:embed="rId3"/>
-              </a:buBlip>
-            </a:pPr>
-            <a:r>
-              <a:rPr lang="en-US" dirty="0" smtClean="0"/>
-              <a:t>To indicate the customer about file rejects or file which succeeded processing.</a:t>
-            </a:r>
-          </a:p>
-          <a:p>
-            <a:pPr marL="411163" indent="-411163">
-              <a:lnSpc>
-                <a:spcPct val="90000"/>
-              </a:lnSpc>
-              <a:spcBef>
-                <a:spcPts val="1500"/>
-              </a:spcBef>
-              <a:buSzPct val="150000"/>
-              <a:buBlip>
-                <a:blip r:embed="rId3"/>
-              </a:buBlip>
-            </a:pPr>
-            <a:r>
-              <a:rPr lang="en-US" dirty="0" smtClean="0"/>
-              <a:t>GPP Can create ‘File Level ACK/NAC’ in case the file is rejected or in case the file has succeeded, based on business setup configuration.</a:t>
-            </a:r>
-          </a:p>
-          <a:p>
-            <a:pPr marL="411163" indent="-411163">
-              <a:lnSpc>
-                <a:spcPct val="90000"/>
-              </a:lnSpc>
-              <a:spcBef>
-                <a:spcPts val="1500"/>
-              </a:spcBef>
-              <a:buSzPct val="150000"/>
-              <a:buBlip>
-                <a:blip r:embed="rId3"/>
-              </a:buBlip>
-            </a:pPr>
-            <a:r>
-              <a:rPr lang="en-US" dirty="0" smtClean="0"/>
-              <a:t>GPP </a:t>
-            </a:r>
-            <a:r>
-              <a:rPr lang="en-US" dirty="0" err="1" smtClean="0"/>
-              <a:t>recives</a:t>
-            </a:r>
-            <a:r>
-              <a:rPr lang="en-US" dirty="0" smtClean="0"/>
-              <a:t> a file from the initiating party and starts processing the file, once the pre-processing stage is completed GPP can be setup to call an interface in order to send a file level notification. </a:t>
-            </a:r>
-          </a:p>
-          <a:p>
-            <a:pPr marL="411163" indent="-411163">
-              <a:lnSpc>
-                <a:spcPct val="90000"/>
-              </a:lnSpc>
-              <a:spcBef>
-                <a:spcPts val="1500"/>
-              </a:spcBef>
-              <a:buSzPct val="150000"/>
-              <a:buBlip>
-                <a:blip r:embed="rId3"/>
-              </a:buBlip>
-            </a:pPr>
-            <a:endParaRPr lang="en-US" dirty="0"/>
-          </a:p>
-          <a:p>
-            <a:pPr marL="411163" indent="-411163">
-              <a:lnSpc>
-                <a:spcPct val="90000"/>
-              </a:lnSpc>
-              <a:spcBef>
-                <a:spcPts val="1500"/>
-              </a:spcBef>
-              <a:buSzPct val="150000"/>
-              <a:buBlip>
-                <a:blip r:embed="rId3"/>
-              </a:buBlip>
-            </a:pPr>
-            <a:endParaRPr lang="en-US" dirty="0" smtClean="0"/>
-          </a:p>
-          <a:p>
-            <a:pPr>
-              <a:lnSpc>
-                <a:spcPct val="90000"/>
-              </a:lnSpc>
-              <a:spcBef>
-                <a:spcPts val="1500"/>
-              </a:spcBef>
-              <a:buSzPct val="150000"/>
-            </a:pPr>
-            <a:endParaRPr lang="en-US" dirty="0" smtClean="0"/>
-          </a:p>
-          <a:p>
-            <a:pPr lvl="0"/>
-            <a:endParaRPr lang="en-GB" dirty="0" smtClean="0"/>
-          </a:p>
-          <a:p>
-            <a:pPr lvl="0"/>
-            <a:endParaRPr lang="en-GB" dirty="0"/>
-          </a:p>
-          <a:p>
-            <a:pPr lvl="0"/>
-            <a:r>
-              <a:rPr lang="en-GB" dirty="0" smtClean="0"/>
-              <a:t/>
-            </a:r>
-            <a:br>
-              <a:rPr lang="en-GB" dirty="0" smtClean="0"/>
-            </a:br>
-            <a:r>
-              <a:rPr lang="en-GB" dirty="0" smtClean="0"/>
-              <a:t>       </a:t>
-            </a:r>
-            <a:endParaRPr lang="en-US" b="1" dirty="0" smtClean="0">
-              <a:solidFill>
-                <a:schemeClr val="accent2"/>
-              </a:solidFill>
-              <a:latin typeface="Courier" pitchFamily="49" charset="0"/>
-            </a:endParaRPr>
-          </a:p>
-          <a:p>
-            <a:pPr>
-              <a:lnSpc>
-                <a:spcPct val="90000"/>
-              </a:lnSpc>
-              <a:spcBef>
-                <a:spcPts val="1500"/>
-              </a:spcBef>
-              <a:buSzPct val="150000"/>
-            </a:pPr>
-            <a:endParaRPr lang="en-US" b="1" dirty="0">
-              <a:solidFill>
-                <a:schemeClr val="accent2"/>
-              </a:solidFill>
-              <a:latin typeface="Courier" pitchFamily="49" charset="0"/>
-            </a:endParaRPr>
-          </a:p>
-          <a:p>
-            <a:pPr>
-              <a:lnSpc>
-                <a:spcPct val="90000"/>
-              </a:lnSpc>
-              <a:spcBef>
-                <a:spcPts val="1500"/>
-              </a:spcBef>
-              <a:buSzPct val="150000"/>
-            </a:pPr>
-            <a:endParaRPr lang="en-US" dirty="0"/>
-          </a:p>
-        </p:txBody>
-      </p:sp>
-      <p:pic>
-        <p:nvPicPr>
-          <p:cNvPr id="2" name="Picture 1"/>
-          <p:cNvPicPr>
-            <a:picLocks noChangeAspect="1"/>
-          </p:cNvPicPr>
-          <p:nvPr/>
-        </p:nvPicPr>
-        <p:blipFill>
-          <a:blip r:embed="rId4"/>
-          <a:stretch>
-            <a:fillRect/>
-          </a:stretch>
-        </p:blipFill>
-        <p:spPr>
-          <a:xfrm>
-            <a:off x="3847954" y="3415229"/>
-            <a:ext cx="2903087" cy="1154819"/>
-          </a:xfrm>
-          <a:prstGeom prst="rect">
-            <a:avLst/>
-          </a:prstGeom>
-        </p:spPr>
-      </p:pic>
-      <p:cxnSp>
-        <p:nvCxnSpPr>
-          <p:cNvPr id="4" name="Straight Connector 3"/>
-          <p:cNvCxnSpPr/>
-          <p:nvPr/>
-        </p:nvCxnSpPr>
-        <p:spPr>
-          <a:xfrm flipH="1">
-            <a:off x="4270605" y="4471920"/>
-            <a:ext cx="3940" cy="2104063"/>
-          </a:xfrm>
-          <a:prstGeom prst="line">
-            <a:avLst/>
-          </a:prstGeom>
-          <a:ln w="28575"/>
-        </p:spPr>
-        <p:style>
-          <a:lnRef idx="1">
-            <a:schemeClr val="accent1"/>
-          </a:lnRef>
-          <a:fillRef idx="0">
-            <a:schemeClr val="accent1"/>
-          </a:fillRef>
-          <a:effectRef idx="0">
-            <a:schemeClr val="accent1"/>
-          </a:effectRef>
-          <a:fontRef idx="minor">
-            <a:schemeClr val="tx1"/>
-          </a:fontRef>
-        </p:style>
-      </p:cxnSp>
-      <p:cxnSp>
-        <p:nvCxnSpPr>
-          <p:cNvPr id="9" name="Straight Connector 8"/>
-          <p:cNvCxnSpPr/>
-          <p:nvPr/>
-        </p:nvCxnSpPr>
-        <p:spPr>
-          <a:xfrm>
-            <a:off x="6273299" y="4471920"/>
-            <a:ext cx="11016" cy="2104063"/>
-          </a:xfrm>
-          <a:prstGeom prst="line">
-            <a:avLst/>
-          </a:prstGeom>
-          <a:ln w="28575"/>
-        </p:spPr>
-        <p:style>
-          <a:lnRef idx="1">
-            <a:schemeClr val="accent1"/>
-          </a:lnRef>
-          <a:fillRef idx="0">
-            <a:schemeClr val="accent1"/>
-          </a:fillRef>
-          <a:effectRef idx="0">
-            <a:schemeClr val="accent1"/>
-          </a:effectRef>
-          <a:fontRef idx="minor">
-            <a:schemeClr val="tx1"/>
-          </a:fontRef>
-        </p:style>
-      </p:cxnSp>
-      <p:cxnSp>
-        <p:nvCxnSpPr>
-          <p:cNvPr id="10" name="Straight Arrow Connector 9"/>
-          <p:cNvCxnSpPr/>
-          <p:nvPr/>
-        </p:nvCxnSpPr>
-        <p:spPr>
-          <a:xfrm flipV="1">
-            <a:off x="4285561" y="5038097"/>
-            <a:ext cx="1998754" cy="11017"/>
-          </a:xfrm>
-          <a:prstGeom prst="straightConnector1">
-            <a:avLst/>
-          </a:prstGeom>
-          <a:ln w="25400">
-            <a:tailEnd type="triangle"/>
-          </a:ln>
-        </p:spPr>
-        <p:style>
-          <a:lnRef idx="1">
-            <a:schemeClr val="dk1"/>
-          </a:lnRef>
-          <a:fillRef idx="0">
-            <a:schemeClr val="dk1"/>
-          </a:fillRef>
-          <a:effectRef idx="0">
-            <a:schemeClr val="dk1"/>
-          </a:effectRef>
-          <a:fontRef idx="minor">
-            <a:schemeClr val="tx1"/>
-          </a:fontRef>
-        </p:style>
-      </p:cxnSp>
-      <p:sp>
-        <p:nvSpPr>
-          <p:cNvPr id="12" name="TextBox 11"/>
-          <p:cNvSpPr txBox="1"/>
-          <p:nvPr/>
-        </p:nvSpPr>
-        <p:spPr>
-          <a:xfrm>
-            <a:off x="4348642" y="4753379"/>
-            <a:ext cx="1196601" cy="363172"/>
-          </a:xfrm>
-          <a:prstGeom prst="rect">
-            <a:avLst/>
-          </a:prstGeom>
-          <a:noFill/>
-        </p:spPr>
-        <p:txBody>
-          <a:bodyPr wrap="square" lIns="0" tIns="0" rIns="0" bIns="0" rtlCol="0">
-            <a:noAutofit/>
-          </a:bodyPr>
-          <a:lstStyle/>
-          <a:p>
-            <a:r>
-              <a:rPr lang="en-US" sz="1600" dirty="0" smtClean="0">
-                <a:solidFill>
-                  <a:schemeClr val="tx2"/>
-                </a:solidFill>
-              </a:rPr>
-              <a:t>Pain.001</a:t>
-            </a:r>
-            <a:endParaRPr lang="en-GB" sz="1600" dirty="0" err="1" smtClean="0">
-              <a:solidFill>
-                <a:schemeClr val="tx2"/>
-              </a:solidFill>
-            </a:endParaRPr>
-          </a:p>
-        </p:txBody>
-      </p:sp>
-      <p:cxnSp>
-        <p:nvCxnSpPr>
-          <p:cNvPr id="14" name="Straight Arrow Connector 13"/>
-          <p:cNvCxnSpPr/>
-          <p:nvPr/>
-        </p:nvCxnSpPr>
-        <p:spPr>
-          <a:xfrm flipH="1">
-            <a:off x="4270605" y="5929784"/>
-            <a:ext cx="1987738" cy="22033"/>
-          </a:xfrm>
-          <a:prstGeom prst="straightConnector1">
-            <a:avLst/>
-          </a:prstGeom>
-          <a:ln w="25400">
-            <a:tailEnd type="triangle"/>
-          </a:ln>
-        </p:spPr>
-        <p:style>
-          <a:lnRef idx="1">
-            <a:schemeClr val="dk1"/>
-          </a:lnRef>
-          <a:fillRef idx="0">
-            <a:schemeClr val="dk1"/>
-          </a:fillRef>
-          <a:effectRef idx="0">
-            <a:schemeClr val="dk1"/>
-          </a:effectRef>
-          <a:fontRef idx="minor">
-            <a:schemeClr val="tx1"/>
-          </a:fontRef>
-        </p:style>
-      </p:cxnSp>
-      <p:sp>
-        <p:nvSpPr>
-          <p:cNvPr id="15" name="TextBox 14"/>
-          <p:cNvSpPr txBox="1"/>
-          <p:nvPr/>
-        </p:nvSpPr>
-        <p:spPr>
-          <a:xfrm>
-            <a:off x="4404300" y="5403014"/>
-            <a:ext cx="1196601" cy="363172"/>
-          </a:xfrm>
-          <a:prstGeom prst="rect">
-            <a:avLst/>
-          </a:prstGeom>
-          <a:noFill/>
-        </p:spPr>
-        <p:txBody>
-          <a:bodyPr wrap="square" lIns="0" tIns="0" rIns="0" bIns="0" rtlCol="0">
-            <a:noAutofit/>
-          </a:bodyPr>
-          <a:lstStyle/>
-          <a:p>
-            <a:r>
-              <a:rPr lang="en-US" sz="1600" dirty="0" smtClean="0">
-                <a:solidFill>
-                  <a:schemeClr val="tx2"/>
-                </a:solidFill>
-              </a:rPr>
-              <a:t>Pain.002 (ACK/NAC)</a:t>
-            </a:r>
-            <a:r>
-              <a:rPr lang="en-US" sz="1600" dirty="0" smtClean="0">
-                <a:solidFill>
-                  <a:schemeClr val="tx2"/>
-                </a:solidFill>
-              </a:rPr>
-              <a:t> </a:t>
-            </a:r>
-            <a:endParaRPr lang="en-GB" sz="1600" dirty="0" err="1" smtClean="0">
-              <a:solidFill>
-                <a:schemeClr val="tx2"/>
-              </a:solidFill>
-            </a:endParaRPr>
-          </a:p>
-        </p:txBody>
-      </p:sp>
-    </p:spTree>
-    <p:extLst>
-      <p:ext uri="{BB962C8B-B14F-4D97-AF65-F5344CB8AC3E}">
-        <p14:creationId xmlns:p14="http://schemas.microsoft.com/office/powerpoint/2010/main" val="4086621574"/>
       </p:ext>
     </p:extLst>
   </p:cSld>
@@ -6661,12 +8438,12 @@
               </a:spcAft>
             </a:pPr>
             <a:r>
-              <a:rPr lang="en-US" dirty="0" smtClean="0">
+              <a:rPr lang="en-US" dirty="0">
                 <a:solidFill>
                   <a:schemeClr val="accent2"/>
                 </a:solidFill>
               </a:rPr>
-              <a:t>End of batch</a:t>
+              <a:t>File level</a:t>
             </a:r>
             <a:endParaRPr lang="en-GB" dirty="0">
               <a:solidFill>
@@ -6694,7 +8471,7 @@
             <a:fld id="{BC3F1638-3586-4527-A760-38AC15BFC248}" type="datetime4">
               <a:rPr lang="en-GB" smtClean="0"/>
               <a:pPr/>
-              <a:t>27 February 2018</a:t>
+              <a:t>21 March 2018</a:t>
             </a:fld>
             <a:endParaRPr lang="en-GB" dirty="0"/>
           </a:p>
@@ -6732,8 +8509,8 @@
         </p:nvSpPr>
         <p:spPr>
           <a:xfrm>
-            <a:off x="623888" y="1123721"/>
-            <a:ext cx="9120187" cy="6863417"/>
+            <a:off x="555062" y="1115980"/>
+            <a:ext cx="9120187" cy="1972848"/>
           </a:xfrm>
           <a:prstGeom prst="rect">
             <a:avLst/>
@@ -6761,7 +8538,14 @@
                 <a:blip r:embed="rId3"/>
               </a:buBlip>
             </a:pPr>
-            <a:endParaRPr lang="en-US" dirty="0" smtClean="0"/>
+            <a:r>
+              <a:rPr lang="en-US" dirty="0" smtClean="0"/>
+              <a:t>To </a:t>
+            </a:r>
+            <a:r>
+              <a:rPr lang="en-US" dirty="0" smtClean="0"/>
+              <a:t>indicate the customer about file rejects or file which succeeded processing.</a:t>
+            </a:r>
           </a:p>
           <a:p>
             <a:pPr marL="411163" indent="-411163">
@@ -6778,13 +8562,20 @@
             </a:pPr>
             <a:r>
               <a:rPr lang="en-US" dirty="0" smtClean="0"/>
-              <a:t>To </a:t>
-            </a:r>
-            <a:r>
-              <a:rPr lang="en-US" dirty="0"/>
-              <a:t>give a report to the customer about the status of transactions within a file received from the customer.</a:t>
-            </a:r>
-            <a:endParaRPr lang="en-GB" dirty="0"/>
+              <a:t>GPP Can create ‘</a:t>
+            </a:r>
+            <a:r>
+              <a:rPr lang="en-US" dirty="0" smtClean="0">
+                <a:solidFill>
+                  <a:schemeClr val="accent2"/>
+                </a:solidFill>
+              </a:rPr>
+              <a:t>File Level ACK/NAC</a:t>
+            </a:r>
+            <a:r>
+              <a:rPr lang="en-US" dirty="0" smtClean="0"/>
+              <a:t>’ in case the file is rejected or in case the file has succeeded, based on business setup configuration.</a:t>
+            </a:r>
           </a:p>
           <a:p>
             <a:pPr marL="411163" indent="-411163">
@@ -6804,177 +8595,20 @@
               <a:t>GPP </a:t>
             </a:r>
             <a:r>
-              <a:rPr lang="en-US" dirty="0"/>
-              <a:t>receives a file from the initiating party and starts processing the file and each transaction within it during the pre-processing phase. </a:t>
-            </a:r>
-            <a:endParaRPr lang="en-GB" dirty="0"/>
-          </a:p>
-          <a:p>
-            <a:pPr marL="411163" indent="-411163">
-              <a:lnSpc>
-                <a:spcPct val="90000"/>
-              </a:lnSpc>
-              <a:spcBef>
-                <a:spcPts val="1500"/>
-              </a:spcBef>
-              <a:buSzPct val="150000"/>
-              <a:buBlip>
-                <a:blip r:embed="rId3"/>
-              </a:buBlip>
-            </a:pPr>
-            <a:r>
               <a:rPr lang="en-US" dirty="0" smtClean="0"/>
-              <a:t>Once </a:t>
-            </a:r>
-            <a:r>
-              <a:rPr lang="en-US" dirty="0"/>
-              <a:t>pre-processing is complete and GPP had stored the transaction information with transaction status in the DB, GPP </a:t>
+              <a:t>receives </a:t>
             </a:r>
             <a:r>
               <a:rPr lang="en-US" dirty="0" smtClean="0"/>
-              <a:t>calls </a:t>
-            </a:r>
-            <a:r>
-              <a:rPr lang="en-US" dirty="0"/>
-              <a:t>an interface to send an End Of Batch transaction level </a:t>
-            </a:r>
-            <a:r>
-              <a:rPr lang="en-US" dirty="0" smtClean="0"/>
-              <a:t>notification.</a:t>
-            </a:r>
-            <a:endParaRPr lang="en-GB" dirty="0"/>
-          </a:p>
-          <a:p>
-            <a:pPr>
-              <a:lnSpc>
-                <a:spcPct val="90000"/>
-              </a:lnSpc>
-              <a:spcBef>
-                <a:spcPts val="1500"/>
-              </a:spcBef>
-              <a:buSzPct val="150000"/>
-            </a:pPr>
-            <a:endParaRPr lang="en-GB" dirty="0" smtClean="0"/>
-          </a:p>
-          <a:p>
-            <a:pPr>
-              <a:lnSpc>
-                <a:spcPct val="90000"/>
-              </a:lnSpc>
-              <a:spcBef>
-                <a:spcPts val="1500"/>
-              </a:spcBef>
-              <a:buSzPct val="150000"/>
-            </a:pPr>
-            <a:r>
-              <a:rPr lang="en-US" dirty="0" smtClean="0"/>
-              <a:t> </a:t>
-            </a:r>
-          </a:p>
-          <a:p>
-            <a:pPr marL="411163" indent="-411163">
-              <a:lnSpc>
-                <a:spcPct val="90000"/>
-              </a:lnSpc>
-              <a:spcBef>
-                <a:spcPts val="1500"/>
-              </a:spcBef>
-              <a:buSzPct val="150000"/>
-              <a:buBlip>
-                <a:blip r:embed="rId3"/>
-              </a:buBlip>
-            </a:pPr>
-            <a:endParaRPr lang="en-US" dirty="0"/>
-          </a:p>
-          <a:p>
-            <a:pPr marL="411163" indent="-411163">
-              <a:lnSpc>
-                <a:spcPct val="90000"/>
-              </a:lnSpc>
-              <a:spcBef>
-                <a:spcPts val="1500"/>
-              </a:spcBef>
-              <a:buSzPct val="150000"/>
-              <a:buBlip>
-                <a:blip r:embed="rId3"/>
-              </a:buBlip>
-            </a:pPr>
-            <a:endParaRPr lang="en-US" dirty="0" smtClean="0"/>
-          </a:p>
-          <a:p>
-            <a:pPr>
-              <a:lnSpc>
-                <a:spcPct val="90000"/>
-              </a:lnSpc>
-              <a:spcBef>
-                <a:spcPts val="1500"/>
-              </a:spcBef>
-              <a:buSzPct val="150000"/>
-            </a:pPr>
-            <a:endParaRPr lang="en-US" dirty="0" smtClean="0"/>
-          </a:p>
-          <a:p>
-            <a:pPr lvl="0"/>
-            <a:endParaRPr lang="en-GB" dirty="0" smtClean="0"/>
-          </a:p>
-          <a:p>
-            <a:pPr lvl="0"/>
-            <a:endParaRPr lang="en-GB" dirty="0"/>
-          </a:p>
-          <a:p>
-            <a:pPr lvl="0"/>
-            <a:r>
-              <a:rPr lang="en-GB" dirty="0" smtClean="0"/>
-              <a:t/>
-            </a:r>
-            <a:br>
-              <a:rPr lang="en-GB" dirty="0" smtClean="0"/>
-            </a:br>
-            <a:r>
-              <a:rPr lang="en-GB" dirty="0" smtClean="0"/>
-              <a:t>       </a:t>
-            </a:r>
-            <a:endParaRPr lang="en-US" b="1" dirty="0" smtClean="0">
-              <a:solidFill>
-                <a:schemeClr val="accent2"/>
-              </a:solidFill>
-              <a:latin typeface="Courier" pitchFamily="49" charset="0"/>
-            </a:endParaRPr>
-          </a:p>
-          <a:p>
-            <a:pPr>
-              <a:lnSpc>
-                <a:spcPct val="90000"/>
-              </a:lnSpc>
-              <a:spcBef>
-                <a:spcPts val="1500"/>
-              </a:spcBef>
-              <a:buSzPct val="150000"/>
-            </a:pPr>
-            <a:endParaRPr lang="en-US" b="1" dirty="0">
-              <a:solidFill>
-                <a:schemeClr val="accent2"/>
-              </a:solidFill>
-              <a:latin typeface="Courier" pitchFamily="49" charset="0"/>
-            </a:endParaRPr>
-          </a:p>
-          <a:p>
-            <a:pPr>
-              <a:lnSpc>
-                <a:spcPct val="90000"/>
-              </a:lnSpc>
-              <a:spcBef>
-                <a:spcPts val="1500"/>
-              </a:spcBef>
-              <a:buSzPct val="150000"/>
-            </a:pPr>
+              <a:t>a file from the initiating party and starts processing the file, once the pre-processing stage is completed GPP can be setup to call an interface in order to send a file level notification. </a:t>
+            </a:r>
             <a:endParaRPr lang="en-US" dirty="0"/>
           </a:p>
         </p:txBody>
       </p:sp>
       <p:pic>
         <p:nvPicPr>
-          <p:cNvPr id="13" name="Picture 12"/>
+          <p:cNvPr id="2" name="Picture 1"/>
           <p:cNvPicPr>
             <a:picLocks noChangeAspect="1"/>
           </p:cNvPicPr>
@@ -6988,7 +8622,7 @@
         </p:blipFill>
         <p:spPr>
           <a:xfrm>
-            <a:off x="3847954" y="3415229"/>
+            <a:off x="3833394" y="3094824"/>
             <a:ext cx="2903087" cy="1154819"/>
           </a:xfrm>
           <a:prstGeom prst="rect">
@@ -6998,13 +8632,13 @@
       </p:pic>
       <p:cxnSp>
         <p:nvCxnSpPr>
-          <p:cNvPr id="16" name="Straight Connector 15"/>
+          <p:cNvPr id="4" name="Straight Connector 3"/>
           <p:cNvCxnSpPr/>
           <p:nvPr/>
         </p:nvCxnSpPr>
         <p:spPr>
           <a:xfrm flipH="1">
-            <a:off x="4270605" y="4471920"/>
+            <a:off x="4179516" y="4197033"/>
             <a:ext cx="3940" cy="2104063"/>
           </a:xfrm>
           <a:prstGeom prst="line">
@@ -7029,13 +8663,13 @@
       </p:cxnSp>
       <p:cxnSp>
         <p:nvCxnSpPr>
-          <p:cNvPr id="17" name="Straight Connector 16"/>
+          <p:cNvPr id="9" name="Straight Connector 8"/>
           <p:cNvCxnSpPr/>
           <p:nvPr/>
         </p:nvCxnSpPr>
         <p:spPr>
           <a:xfrm>
-            <a:off x="6273299" y="4471920"/>
+            <a:off x="6493025" y="4223338"/>
             <a:ext cx="11016" cy="2104063"/>
           </a:xfrm>
           <a:prstGeom prst="line">
@@ -7060,31 +8694,36 @@
       </p:cxnSp>
       <p:cxnSp>
         <p:nvCxnSpPr>
-          <p:cNvPr id="18" name="Straight Arrow Connector 17"/>
+          <p:cNvPr id="10" name="Straight Arrow Connector 9"/>
           <p:cNvCxnSpPr/>
           <p:nvPr/>
         </p:nvCxnSpPr>
         <p:spPr>
           <a:xfrm flipV="1">
-            <a:off x="4285561" y="5038097"/>
-            <a:ext cx="1998754" cy="11017"/>
+            <a:off x="4184604" y="4781093"/>
+            <a:ext cx="2287216" cy="1"/>
           </a:xfrm>
           <a:prstGeom prst="straightConnector1">
             <a:avLst/>
           </a:prstGeom>
-          <a:ln w="25400">
-            <a:tailEnd type="triangle"/>
+          <a:ln w="41275" cmpd="sng">
+            <a:solidFill>
+              <a:schemeClr val="accent2"/>
+            </a:solidFill>
+            <a:prstDash val="solid"/>
+            <a:headEnd type="none"/>
+            <a:tailEnd type="triangle" w="lg" len="lg"/>
           </a:ln>
         </p:spPr>
         <p:style>
           <a:lnRef idx="1">
-            <a:schemeClr val="dk1"/>
+            <a:schemeClr val="accent1"/>
           </a:lnRef>
           <a:fillRef idx="0">
-            <a:schemeClr val="dk1"/>
+            <a:schemeClr val="accent1"/>
           </a:fillRef>
           <a:effectRef idx="0">
-            <a:schemeClr val="dk1"/>
+            <a:schemeClr val="accent1"/>
           </a:effectRef>
           <a:fontRef idx="minor">
             <a:schemeClr val="tx1"/>
@@ -7093,14 +8732,14 @@
       </p:cxnSp>
       <p:sp>
         <p:nvSpPr>
-          <p:cNvPr id="19" name="TextBox 18"/>
+          <p:cNvPr id="12" name="TextBox 11"/>
           <p:cNvSpPr txBox="1"/>
           <p:nvPr/>
         </p:nvSpPr>
         <p:spPr>
           <a:xfrm>
-            <a:off x="4348642" y="4753379"/>
-            <a:ext cx="1196601" cy="363172"/>
+            <a:off x="4687521" y="4455558"/>
+            <a:ext cx="1196601" cy="416005"/>
           </a:xfrm>
           <a:prstGeom prst="rect">
             <a:avLst/>
@@ -7111,51 +8750,74 @@
           <a:bodyPr wrap="square" lIns="0" tIns="0" rIns="0" bIns="0" rtlCol="0">
             <a:noAutofit/>
           </a:bodyPr>
-          <a:lstStyle/>
-          <a:p>
-            <a:r>
-              <a:rPr lang="en-US" sz="1600" dirty="0" smtClean="0">
+          <a:lstStyle>
+            <a:defPPr>
+              <a:defRPr lang="en-US"/>
+            </a:defPPr>
+            <a:lvl1pPr marR="0" lvl="0" indent="0" algn="ctr" fontAlgn="auto">
+              <a:lnSpc>
+                <a:spcPct val="100000"/>
+              </a:lnSpc>
+              <a:spcBef>
+                <a:spcPts val="0"/>
+              </a:spcBef>
+              <a:spcAft>
+                <a:spcPts val="0"/>
+              </a:spcAft>
+              <a:buClrTx/>
+              <a:buSzTx/>
+              <a:buFontTx/>
+              <a:buNone/>
+              <a:tabLst/>
+              <a:defRPr sz="1100" b="1">
                 <a:solidFill>
-                  <a:schemeClr val="tx2"/>
+                  <a:srgbClr val="6948D9"/>
                 </a:solidFill>
-              </a:rPr>
-              <a:t>Pain.001</a:t>
-            </a:r>
-            <a:endParaRPr lang="en-GB" sz="1600" dirty="0" err="1" smtClean="0">
-              <a:solidFill>
-                <a:schemeClr val="tx2"/>
-              </a:solidFill>
-            </a:endParaRPr>
+                <a:latin typeface="Arial"/>
+              </a:defRPr>
+            </a:lvl1pPr>
+          </a:lstStyle>
+          <a:p>
+            <a:r>
+              <a:rPr lang="en-US" sz="1600" dirty="0" smtClean="0"/>
+              <a:t>pain.001</a:t>
+            </a:r>
+            <a:endParaRPr lang="en-GB" sz="1600" dirty="0" err="1"/>
           </a:p>
         </p:txBody>
       </p:sp>
       <p:cxnSp>
         <p:nvCxnSpPr>
-          <p:cNvPr id="20" name="Straight Arrow Connector 19"/>
+          <p:cNvPr id="14" name="Straight Arrow Connector 13"/>
           <p:cNvCxnSpPr/>
           <p:nvPr/>
         </p:nvCxnSpPr>
         <p:spPr>
-          <a:xfrm flipH="1">
-            <a:off x="4270605" y="5929784"/>
-            <a:ext cx="1987738" cy="22033"/>
+          <a:xfrm flipH="1" flipV="1">
+            <a:off x="4178368" y="5909608"/>
+            <a:ext cx="2314657" cy="29076"/>
           </a:xfrm>
           <a:prstGeom prst="straightConnector1">
             <a:avLst/>
           </a:prstGeom>
-          <a:ln w="25400">
-            <a:tailEnd type="triangle"/>
+          <a:ln w="41275" cmpd="sng">
+            <a:solidFill>
+              <a:schemeClr val="accent2"/>
+            </a:solidFill>
+            <a:prstDash val="solid"/>
+            <a:headEnd type="none"/>
+            <a:tailEnd type="triangle" w="lg" len="lg"/>
           </a:ln>
         </p:spPr>
         <p:style>
           <a:lnRef idx="1">
-            <a:schemeClr val="dk1"/>
+            <a:schemeClr val="accent1"/>
           </a:lnRef>
           <a:fillRef idx="0">
-            <a:schemeClr val="dk1"/>
+            <a:schemeClr val="accent1"/>
           </a:fillRef>
           <a:effectRef idx="0">
-            <a:schemeClr val="dk1"/>
+            <a:schemeClr val="accent1"/>
           </a:effectRef>
           <a:fontRef idx="minor">
             <a:schemeClr val="tx1"/>
@@ -7164,14 +8826,14 @@
       </p:cxnSp>
       <p:sp>
         <p:nvSpPr>
-          <p:cNvPr id="21" name="TextBox 20"/>
+          <p:cNvPr id="15" name="TextBox 14"/>
           <p:cNvSpPr txBox="1"/>
           <p:nvPr/>
         </p:nvSpPr>
         <p:spPr>
           <a:xfrm>
-            <a:off x="4470920" y="5307863"/>
-            <a:ext cx="1196601" cy="363172"/>
+            <a:off x="4379305" y="5541707"/>
+            <a:ext cx="2067521" cy="363172"/>
           </a:xfrm>
           <a:prstGeom prst="rect">
             <a:avLst/>
@@ -7182,36 +8844,50 @@
           <a:bodyPr wrap="square" lIns="0" tIns="0" rIns="0" bIns="0" rtlCol="0">
             <a:noAutofit/>
           </a:bodyPr>
-          <a:lstStyle/>
-          <a:p>
-            <a:r>
-              <a:rPr lang="en-US" sz="1600" dirty="0" smtClean="0">
+          <a:lstStyle>
+            <a:defPPr>
+              <a:defRPr lang="en-US"/>
+            </a:defPPr>
+            <a:lvl1pPr marR="0" lvl="0" indent="0" algn="ctr" fontAlgn="auto">
+              <a:lnSpc>
+                <a:spcPct val="100000"/>
+              </a:lnSpc>
+              <a:spcBef>
+                <a:spcPts val="0"/>
+              </a:spcBef>
+              <a:spcAft>
+                <a:spcPts val="0"/>
+              </a:spcAft>
+              <a:buClrTx/>
+              <a:buSzTx/>
+              <a:buFontTx/>
+              <a:buNone/>
+              <a:tabLst/>
+              <a:defRPr sz="1600" b="1">
                 <a:solidFill>
-                  <a:schemeClr val="tx2"/>
+                  <a:srgbClr val="6948D9"/>
                 </a:solidFill>
-              </a:rPr>
-              <a:t>Pain.002  </a:t>
-            </a:r>
-            <a:r>
-              <a:rPr lang="en-US" sz="1200" b="1" dirty="0" smtClean="0">
-                <a:solidFill>
-                  <a:schemeClr val="tx2"/>
-                </a:solidFill>
-              </a:rPr>
-              <a:t>with transaction final status</a:t>
-            </a:r>
-            <a:endParaRPr lang="en-GB" sz="1200" b="1" dirty="0" err="1" smtClean="0">
-              <a:solidFill>
-                <a:schemeClr val="tx2"/>
-              </a:solidFill>
-            </a:endParaRPr>
+                <a:latin typeface="Arial"/>
+              </a:defRPr>
+            </a:lvl1pPr>
+          </a:lstStyle>
+          <a:p>
+            <a:r>
+              <a:rPr lang="en-US" dirty="0" smtClean="0"/>
+              <a:t>pain.002 </a:t>
+            </a:r>
+            <a:r>
+              <a:rPr lang="en-US" dirty="0"/>
+              <a:t>(ACK/NAC) </a:t>
+            </a:r>
+            <a:endParaRPr lang="en-GB" dirty="0" err="1"/>
           </a:p>
         </p:txBody>
       </p:sp>
     </p:spTree>
     <p:extLst>
       <p:ext uri="{BB962C8B-B14F-4D97-AF65-F5344CB8AC3E}">
-        <p14:creationId xmlns:p14="http://schemas.microsoft.com/office/powerpoint/2010/main" val="1021442930"/>
+        <p14:creationId xmlns:p14="http://schemas.microsoft.com/office/powerpoint/2010/main" val="4086621574"/>
       </p:ext>
     </p:extLst>
   </p:cSld>
@@ -7272,19 +8948,27 @@
           <a:bodyPr/>
           <a:lstStyle/>
           <a:p>
+            <a:pPr>
+              <a:spcBef>
+                <a:spcPts val="300"/>
+              </a:spcBef>
+              <a:spcAft>
+                <a:spcPts val="200"/>
+              </a:spcAft>
+            </a:pPr>
             <a:r>
               <a:rPr lang="en-US" dirty="0" smtClean="0">
                 <a:solidFill>
                   <a:schemeClr val="accent2"/>
                 </a:solidFill>
               </a:rPr>
-              <a:t>Advising selection Rule</a:t>
-            </a:r>
-            <a:r>
-              <a:rPr lang="en-US" dirty="0" smtClean="0"/>
-              <a:t> </a:t>
-            </a:r>
-            <a:endParaRPr lang="en-GB" dirty="0"/>
+              <a:t>End of batch</a:t>
+            </a:r>
+            <a:endParaRPr lang="en-GB" dirty="0">
+              <a:solidFill>
+                <a:schemeClr val="accent2"/>
+              </a:solidFill>
+            </a:endParaRPr>
           </a:p>
         </p:txBody>
       </p:sp>
@@ -7306,7 +8990,7 @@
             <a:fld id="{BC3F1638-3586-4527-A760-38AC15BFC248}" type="datetime4">
               <a:rPr lang="en-GB" smtClean="0"/>
               <a:pPr/>
-              <a:t>19 February 2018</a:t>
+              <a:t>21 March 2018</a:t>
             </a:fld>
             <a:endParaRPr lang="en-GB" dirty="0"/>
           </a:p>
@@ -7344,8 +9028,8 @@
         </p:nvSpPr>
         <p:spPr>
           <a:xfrm>
-            <a:off x="623888" y="1123721"/>
-            <a:ext cx="9120187" cy="4619726"/>
+            <a:off x="509126" y="1092724"/>
+            <a:ext cx="9120187" cy="2222147"/>
           </a:xfrm>
           <a:prstGeom prst="rect">
             <a:avLst/>
@@ -7374,12 +9058,17 @@
               </a:buBlip>
             </a:pPr>
             <a:r>
+              <a:rPr lang="en-US" dirty="0" smtClean="0"/>
+              <a:t>To </a:t>
+            </a:r>
+            <a:r>
               <a:rPr lang="en-US" dirty="0"/>
-              <a:t>In order to trigger Advising, an advising selection rule needs to be set-up.</a:t>
-            </a:r>
-          </a:p>
-          <a:p>
-            <a:pPr marL="868363" lvl="1" indent="-411163">
+              <a:t>give a report to the customer about the status of transactions within a file received from the customer.</a:t>
+            </a:r>
+            <a:endParaRPr lang="en-GB" dirty="0"/>
+          </a:p>
+          <a:p>
+            <a:pPr marL="411163" indent="-411163">
               <a:lnSpc>
                 <a:spcPct val="90000"/>
               </a:lnSpc>
@@ -7392,17 +9081,17 @@
               </a:buBlip>
             </a:pPr>
             <a:r>
-              <a:rPr lang="en-US" b="1" dirty="0" smtClean="0">
-                <a:solidFill>
-                  <a:schemeClr val="accent2"/>
-                </a:solidFill>
-                <a:latin typeface="Courier" pitchFamily="49" charset="0"/>
-              </a:rPr>
-              <a:t>Rule </a:t>
-            </a:r>
-          </a:p>
-          <a:p>
-            <a:pPr marL="868363" lvl="1" indent="-411163">
+              <a:rPr lang="en-US" dirty="0" smtClean="0"/>
+              <a:t>GPP </a:t>
+            </a:r>
+            <a:r>
+              <a:rPr lang="en-US" dirty="0"/>
+              <a:t>receives a file from the initiating party and starts processing the file and each transaction within it during the pre-processing phase. </a:t>
+            </a:r>
+            <a:endParaRPr lang="en-GB" dirty="0"/>
+          </a:p>
+          <a:p>
+            <a:pPr marL="411163" indent="-411163">
               <a:lnSpc>
                 <a:spcPct val="90000"/>
               </a:lnSpc>
@@ -7414,160 +9103,37 @@
                 <a:blip r:embed="rId3"/>
               </a:buBlip>
             </a:pPr>
-            <a:endParaRPr lang="en-US" sz="1600" b="1" dirty="0">
-              <a:solidFill>
-                <a:schemeClr val="accent2"/>
-              </a:solidFill>
-              <a:latin typeface="Courier" pitchFamily="49" charset="0"/>
-            </a:endParaRPr>
-          </a:p>
-          <a:p>
-            <a:pPr marL="868363" lvl="1" indent="-411163">
-              <a:lnSpc>
-                <a:spcPct val="90000"/>
-              </a:lnSpc>
-              <a:spcBef>
-                <a:spcPts val="1500"/>
-              </a:spcBef>
-              <a:buSzPct val="150000"/>
-              <a:buBlip>
-                <a:blip r:embed="rId3"/>
-              </a:buBlip>
-            </a:pPr>
-            <a:endParaRPr lang="en-US" sz="1600" dirty="0" smtClean="0"/>
-          </a:p>
-          <a:p>
-            <a:pPr lvl="1">
-              <a:lnSpc>
-                <a:spcPct val="90000"/>
-              </a:lnSpc>
-              <a:spcBef>
-                <a:spcPts val="1500"/>
-              </a:spcBef>
-              <a:buSzPct val="150000"/>
-            </a:pPr>
-            <a:endParaRPr lang="en-US" sz="1600" dirty="0"/>
-          </a:p>
-          <a:p>
-            <a:pPr lvl="1">
-              <a:lnSpc>
-                <a:spcPct val="90000"/>
-              </a:lnSpc>
-              <a:spcBef>
-                <a:spcPts val="1500"/>
-              </a:spcBef>
-              <a:buSzPct val="150000"/>
-            </a:pPr>
-            <a:endParaRPr lang="en-US" sz="1600" dirty="0" smtClean="0"/>
-          </a:p>
-          <a:p>
-            <a:pPr marL="868363" lvl="1" indent="-411163">
-              <a:lnSpc>
-                <a:spcPct val="90000"/>
-              </a:lnSpc>
-              <a:spcBef>
-                <a:spcPts val="1500"/>
-              </a:spcBef>
-              <a:buSzPct val="150000"/>
-              <a:buBlip>
-                <a:blip r:embed="rId3"/>
-              </a:buBlip>
-            </a:pPr>
+            <a:r>
+              <a:rPr lang="en-US" dirty="0" smtClean="0"/>
+              <a:t>Once </a:t>
+            </a:r>
             <a:r>
               <a:rPr lang="en-US" dirty="0"/>
-              <a:t>The action of rule 172 set the advising Type and structure. </a:t>
-            </a:r>
-          </a:p>
-          <a:p>
-            <a:pPr lvl="1">
-              <a:lnSpc>
-                <a:spcPct val="90000"/>
-              </a:lnSpc>
-              <a:spcBef>
-                <a:spcPts val="1500"/>
-              </a:spcBef>
-              <a:buSzPct val="150000"/>
-            </a:pPr>
+              <a:t>pre-processing is complete and GPP had stored the transaction information with transaction status in the DB, GPP </a:t>
+            </a:r>
             <a:r>
               <a:rPr lang="en-US" dirty="0" smtClean="0"/>
-              <a:t>       For </a:t>
+              <a:t>calls </a:t>
             </a:r>
             <a:r>
               <a:rPr lang="en-US" dirty="0"/>
-              <a:t>example: </a:t>
-            </a:r>
-            <a:r>
-              <a:rPr lang="en-US" dirty="0" err="1"/>
-              <a:t>Acknolegment</a:t>
-            </a:r>
-            <a:r>
-              <a:rPr lang="en-US" dirty="0"/>
-              <a:t> for Pain.001 will be “pure” Pain.002</a:t>
+              <a:t>an interface to send an End Of Batch transaction level </a:t>
             </a:r>
             <a:r>
               <a:rPr lang="en-US" dirty="0" smtClean="0"/>
-              <a:t>, without                                                                  </a:t>
-            </a:r>
-          </a:p>
-          <a:p>
-            <a:pPr lvl="1">
-              <a:lnSpc>
-                <a:spcPct val="90000"/>
-              </a:lnSpc>
-              <a:spcBef>
-                <a:spcPts val="1500"/>
-              </a:spcBef>
-              <a:buSzPct val="150000"/>
-            </a:pPr>
-            <a:r>
-              <a:rPr lang="en-US" dirty="0"/>
-              <a:t> </a:t>
+              <a:t>notification</a:t>
             </a:r>
             <a:r>
               <a:rPr lang="en-US" dirty="0" smtClean="0"/>
-              <a:t>      FNDT  message.</a:t>
-            </a:r>
-          </a:p>
-          <a:p>
-            <a:pPr lvl="1">
-              <a:lnSpc>
-                <a:spcPct val="90000"/>
-              </a:lnSpc>
-              <a:spcBef>
-                <a:spcPts val="1500"/>
-              </a:spcBef>
-              <a:buSzPct val="150000"/>
-            </a:pPr>
-            <a:r>
-              <a:rPr lang="en-US" dirty="0" smtClean="0"/>
-              <a:t>       Advice can be FULL FNDT message according to the in</a:t>
-            </a:r>
-            <a:r>
-              <a:rPr lang="en-US" dirty="0"/>
-              <a:t>terfa</a:t>
-            </a:r>
-            <a:r>
-              <a:rPr lang="en-US" dirty="0" smtClean="0"/>
-              <a:t>ce type</a:t>
-            </a:r>
-          </a:p>
-          <a:p>
-            <a:pPr lvl="1">
-              <a:lnSpc>
-                <a:spcPct val="90000"/>
-              </a:lnSpc>
-              <a:spcBef>
-                <a:spcPts val="1500"/>
-              </a:spcBef>
-              <a:buSzPct val="150000"/>
-            </a:pPr>
-            <a:endParaRPr lang="he-IL" sz="1600" dirty="0"/>
+              <a:t>.</a:t>
+            </a:r>
+            <a:endParaRPr lang="en-US" dirty="0"/>
           </a:p>
         </p:txBody>
       </p:sp>
       <p:pic>
         <p:nvPicPr>
-          <p:cNvPr id="2" name="Picture 1"/>
+          <p:cNvPr id="14" name="Picture 13"/>
           <p:cNvPicPr>
             <a:picLocks noChangeAspect="1"/>
           </p:cNvPicPr>
@@ -7581,18 +9147,281 @@
         </p:blipFill>
         <p:spPr>
           <a:xfrm>
-            <a:off x="3170359" y="2317813"/>
-            <a:ext cx="3171825" cy="781050"/>
+            <a:off x="4045965" y="3317101"/>
+            <a:ext cx="2903087" cy="1154819"/>
           </a:xfrm>
           <a:prstGeom prst="rect">
             <a:avLst/>
           </a:prstGeom>
         </p:spPr>
       </p:pic>
+      <p:cxnSp>
+        <p:nvCxnSpPr>
+          <p:cNvPr id="15" name="Straight Connector 14"/>
+          <p:cNvCxnSpPr/>
+          <p:nvPr/>
+        </p:nvCxnSpPr>
+        <p:spPr>
+          <a:xfrm flipH="1">
+            <a:off x="4392087" y="4419310"/>
+            <a:ext cx="3940" cy="2104063"/>
+          </a:xfrm>
+          <a:prstGeom prst="line">
+            <a:avLst/>
+          </a:prstGeom>
+          <a:ln w="28575"/>
+        </p:spPr>
+        <p:style>
+          <a:lnRef idx="1">
+            <a:schemeClr val="accent1"/>
+          </a:lnRef>
+          <a:fillRef idx="0">
+            <a:schemeClr val="accent1"/>
+          </a:fillRef>
+          <a:effectRef idx="0">
+            <a:schemeClr val="accent1"/>
+          </a:effectRef>
+          <a:fontRef idx="minor">
+            <a:schemeClr val="tx1"/>
+          </a:fontRef>
+        </p:style>
+      </p:cxnSp>
+      <p:cxnSp>
+        <p:nvCxnSpPr>
+          <p:cNvPr id="22" name="Straight Connector 21"/>
+          <p:cNvCxnSpPr/>
+          <p:nvPr/>
+        </p:nvCxnSpPr>
+        <p:spPr>
+          <a:xfrm>
+            <a:off x="6705596" y="4445615"/>
+            <a:ext cx="11016" cy="2104063"/>
+          </a:xfrm>
+          <a:prstGeom prst="line">
+            <a:avLst/>
+          </a:prstGeom>
+          <a:ln w="28575"/>
+        </p:spPr>
+        <p:style>
+          <a:lnRef idx="1">
+            <a:schemeClr val="accent1"/>
+          </a:lnRef>
+          <a:fillRef idx="0">
+            <a:schemeClr val="accent1"/>
+          </a:fillRef>
+          <a:effectRef idx="0">
+            <a:schemeClr val="accent1"/>
+          </a:effectRef>
+          <a:fontRef idx="minor">
+            <a:schemeClr val="tx1"/>
+          </a:fontRef>
+        </p:style>
+      </p:cxnSp>
+      <p:cxnSp>
+        <p:nvCxnSpPr>
+          <p:cNvPr id="23" name="Straight Arrow Connector 22"/>
+          <p:cNvCxnSpPr/>
+          <p:nvPr/>
+        </p:nvCxnSpPr>
+        <p:spPr>
+          <a:xfrm flipV="1">
+            <a:off x="4397175" y="5003370"/>
+            <a:ext cx="2287216" cy="1"/>
+          </a:xfrm>
+          <a:prstGeom prst="straightConnector1">
+            <a:avLst/>
+          </a:prstGeom>
+          <a:ln w="41275" cmpd="sng">
+            <a:solidFill>
+              <a:schemeClr val="accent2"/>
+            </a:solidFill>
+            <a:prstDash val="solid"/>
+            <a:headEnd type="none"/>
+            <a:tailEnd type="triangle" w="lg" len="lg"/>
+          </a:ln>
+        </p:spPr>
+        <p:style>
+          <a:lnRef idx="1">
+            <a:schemeClr val="accent1"/>
+          </a:lnRef>
+          <a:fillRef idx="0">
+            <a:schemeClr val="accent1"/>
+          </a:fillRef>
+          <a:effectRef idx="0">
+            <a:schemeClr val="accent1"/>
+          </a:effectRef>
+          <a:fontRef idx="minor">
+            <a:schemeClr val="tx1"/>
+          </a:fontRef>
+        </p:style>
+      </p:cxnSp>
+      <p:sp>
+        <p:nvSpPr>
+          <p:cNvPr id="24" name="TextBox 23"/>
+          <p:cNvSpPr txBox="1"/>
+          <p:nvPr/>
+        </p:nvSpPr>
+        <p:spPr>
+          <a:xfrm>
+            <a:off x="4900092" y="4677835"/>
+            <a:ext cx="1196601" cy="416005"/>
+          </a:xfrm>
+          <a:prstGeom prst="rect">
+            <a:avLst/>
+          </a:prstGeom>
+          <a:noFill/>
+        </p:spPr>
+        <p:txBody>
+          <a:bodyPr wrap="square" lIns="0" tIns="0" rIns="0" bIns="0" rtlCol="0">
+            <a:noAutofit/>
+          </a:bodyPr>
+          <a:lstStyle>
+            <a:defPPr>
+              <a:defRPr lang="en-US"/>
+            </a:defPPr>
+            <a:lvl1pPr marR="0" lvl="0" indent="0" algn="ctr" fontAlgn="auto">
+              <a:lnSpc>
+                <a:spcPct val="100000"/>
+              </a:lnSpc>
+              <a:spcBef>
+                <a:spcPts val="0"/>
+              </a:spcBef>
+              <a:spcAft>
+                <a:spcPts val="0"/>
+              </a:spcAft>
+              <a:buClrTx/>
+              <a:buSzTx/>
+              <a:buFontTx/>
+              <a:buNone/>
+              <a:tabLst/>
+              <a:defRPr sz="1100" b="1">
+                <a:solidFill>
+                  <a:srgbClr val="6948D9"/>
+                </a:solidFill>
+                <a:latin typeface="Arial"/>
+              </a:defRPr>
+            </a:lvl1pPr>
+          </a:lstStyle>
+          <a:p>
+            <a:r>
+              <a:rPr lang="en-US" sz="1600" dirty="0" smtClean="0"/>
+              <a:t>pain.001</a:t>
+            </a:r>
+            <a:endParaRPr lang="en-GB" sz="1600" dirty="0" err="1"/>
+          </a:p>
+        </p:txBody>
+      </p:sp>
+      <p:cxnSp>
+        <p:nvCxnSpPr>
+          <p:cNvPr id="25" name="Straight Arrow Connector 24"/>
+          <p:cNvCxnSpPr/>
+          <p:nvPr/>
+        </p:nvCxnSpPr>
+        <p:spPr>
+          <a:xfrm flipH="1" flipV="1">
+            <a:off x="4390939" y="6131885"/>
+            <a:ext cx="2314657" cy="29076"/>
+          </a:xfrm>
+          <a:prstGeom prst="straightConnector1">
+            <a:avLst/>
+          </a:prstGeom>
+          <a:ln w="41275" cmpd="sng">
+            <a:solidFill>
+              <a:schemeClr val="accent2"/>
+            </a:solidFill>
+            <a:prstDash val="solid"/>
+            <a:headEnd type="none"/>
+            <a:tailEnd type="triangle" w="lg" len="lg"/>
+          </a:ln>
+        </p:spPr>
+        <p:style>
+          <a:lnRef idx="1">
+            <a:schemeClr val="accent1"/>
+          </a:lnRef>
+          <a:fillRef idx="0">
+            <a:schemeClr val="accent1"/>
+          </a:fillRef>
+          <a:effectRef idx="0">
+            <a:schemeClr val="accent1"/>
+          </a:effectRef>
+          <a:fontRef idx="minor">
+            <a:schemeClr val="tx1"/>
+          </a:fontRef>
+        </p:style>
+      </p:cxnSp>
+      <p:sp>
+        <p:nvSpPr>
+          <p:cNvPr id="26" name="TextBox 25"/>
+          <p:cNvSpPr txBox="1"/>
+          <p:nvPr/>
+        </p:nvSpPr>
+        <p:spPr>
+          <a:xfrm>
+            <a:off x="4591876" y="5763984"/>
+            <a:ext cx="2067521" cy="363172"/>
+          </a:xfrm>
+          <a:prstGeom prst="rect">
+            <a:avLst/>
+          </a:prstGeom>
+          <a:noFill/>
+        </p:spPr>
+        <p:txBody>
+          <a:bodyPr wrap="square" lIns="0" tIns="0" rIns="0" bIns="0" rtlCol="0">
+            <a:noAutofit/>
+          </a:bodyPr>
+          <a:lstStyle>
+            <a:defPPr>
+              <a:defRPr lang="en-US"/>
+            </a:defPPr>
+            <a:lvl1pPr marR="0" lvl="0" indent="0" algn="ctr" fontAlgn="auto">
+              <a:lnSpc>
+                <a:spcPct val="100000"/>
+              </a:lnSpc>
+              <a:spcBef>
+                <a:spcPts val="0"/>
+              </a:spcBef>
+              <a:spcAft>
+                <a:spcPts val="0"/>
+              </a:spcAft>
+              <a:buClrTx/>
+              <a:buSzTx/>
+              <a:buFontTx/>
+              <a:buNone/>
+              <a:tabLst/>
+              <a:defRPr sz="1600" b="1">
+                <a:solidFill>
+                  <a:srgbClr val="6948D9"/>
+                </a:solidFill>
+                <a:latin typeface="Arial"/>
+              </a:defRPr>
+            </a:lvl1pPr>
+          </a:lstStyle>
+          <a:p>
+            <a:r>
+              <a:rPr lang="en-US" dirty="0" smtClean="0"/>
+              <a:t>pain.002 </a:t>
+            </a:r>
+          </a:p>
+          <a:p>
+            <a:endParaRPr lang="en-US" dirty="0"/>
+          </a:p>
+          <a:p>
+            <a:r>
+              <a:rPr lang="en-US" sz="1400" dirty="0" smtClean="0"/>
+              <a:t>with transaction final status</a:t>
+            </a:r>
+            <a:r>
+              <a:rPr lang="en-US" dirty="0" smtClean="0"/>
+              <a:t> </a:t>
+            </a:r>
+            <a:endParaRPr lang="en-GB" dirty="0" err="1"/>
+          </a:p>
+        </p:txBody>
+      </p:sp>
     </p:spTree>
     <p:extLst>
       <p:ext uri="{BB962C8B-B14F-4D97-AF65-F5344CB8AC3E}">
-        <p14:creationId xmlns:p14="http://schemas.microsoft.com/office/powerpoint/2010/main" val="147809726"/>
+        <p14:creationId xmlns:p14="http://schemas.microsoft.com/office/powerpoint/2010/main" val="1021442930"/>
       </p:ext>
     </p:extLst>
   </p:cSld>
@@ -8452,6 +10281,15 @@
 </file>
 
 <file path=customXml/item1.xml><?xml version="1.0" encoding="utf-8"?>
+<?mso-contentType ?>
+<FormTemplates xmlns="http://schemas.microsoft.com/sharepoint/v3/contenttype/forms">
+  <Display>DocumentLibraryForm</Display>
+  <Edit>DocumentLibraryForm</Edit>
+  <New>DocumentLibraryForm</New>
+</FormTemplates>
+</file>
+
+<file path=customXml/item2.xml><?xml version="1.0" encoding="utf-8"?>
 <ct:contentTypeSchema xmlns:ct="http://schemas.microsoft.com/office/2006/metadata/contentType" xmlns:ma="http://schemas.microsoft.com/office/2006/metadata/properties/metaAttributes" ct:_="" ma:_="" ma:contentTypeName="Document" ma:contentTypeID="0x0101009AFDA2510A45954CB46081864A6D864F" ma:contentTypeVersion="5" ma:contentTypeDescription="Create a new document." ma:contentTypeScope="" ma:versionID="5b475eef84496e2b7a4205b1d00d7d4c">
   <xsd:schema xmlns:xsd="http://www.w3.org/2001/XMLSchema" xmlns:xs="http://www.w3.org/2001/XMLSchema" xmlns:p="http://schemas.microsoft.com/office/2006/metadata/properties" xmlns:ns1="http://schemas.microsoft.com/sharepoint/v3" xmlns:ns2="1913475e-a030-45ec-9e8a-a2630205b38f" xmlns:ns3="0ae7057e-292f-4fd1-bead-5494e4c66c6d" targetNamespace="http://schemas.microsoft.com/office/2006/metadata/properties" ma:root="true" ma:fieldsID="85738e600c763465eda532a3d229a01a" ns1:_="" ns2:_="" ns3:_="">
     <xsd:import namespace="http://schemas.microsoft.com/sharepoint/v3"/>
@@ -8633,7 +10471,7 @@
 </ct:contentTypeSchema>
 </file>
 
-<file path=customXml/item2.xml><?xml version="1.0" encoding="utf-8"?>
+<file path=customXml/item3.xml><?xml version="1.0" encoding="utf-8"?>
 <p:properties xmlns:p="http://schemas.microsoft.com/office/2006/metadata/properties" xmlns:xsi="http://www.w3.org/2001/XMLSchema-instance" xmlns:pc="http://schemas.microsoft.com/office/infopath/2007/PartnerControls">
   <documentManagement>
     <PublishingExpirationDate xmlns="http://schemas.microsoft.com/sharepoint/v3" xsi:nil="true"/>
@@ -8642,16 +10480,15 @@
 </p:properties>
 </file>
 
-<file path=customXml/item3.xml><?xml version="1.0" encoding="utf-8"?>
-<?mso-contentType ?>
-<FormTemplates xmlns="http://schemas.microsoft.com/sharepoint/v3/contenttype/forms">
-  <Display>DocumentLibraryForm</Display>
-  <Edit>DocumentLibraryForm</Edit>
-  <New>DocumentLibraryForm</New>
-</FormTemplates>
+<file path=customXml/itemProps1.xml><?xml version="1.0" encoding="utf-8"?>
+<ds:datastoreItem xmlns:ds="http://schemas.openxmlformats.org/officeDocument/2006/customXml" ds:itemID="{CA1AEAF9-C730-4098-99F1-230B2FED747B}">
+  <ds:schemaRefs>
+    <ds:schemaRef ds:uri="http://schemas.microsoft.com/sharepoint/v3/contenttype/forms"/>
+  </ds:schemaRefs>
+</ds:datastoreItem>
 </file>
 
-<file path=customXml/itemProps1.xml><?xml version="1.0" encoding="utf-8"?>
+<file path=customXml/itemProps2.xml><?xml version="1.0" encoding="utf-8"?>
 <ds:datastoreItem xmlns:ds="http://schemas.openxmlformats.org/officeDocument/2006/customXml" ds:itemID="{F6B4073B-771D-450A-9EDA-ABAA77B0531E}">
   <ds:schemaRefs>
     <ds:schemaRef ds:uri="http://schemas.microsoft.com/office/2006/metadata/contentType"/>
@@ -8671,28 +10508,20 @@
 </ds:datastoreItem>
 </file>
 
-<file path=customXml/itemProps2.xml><?xml version="1.0" encoding="utf-8"?>
+<file path=customXml/itemProps3.xml><?xml version="1.0" encoding="utf-8"?>
 <ds:datastoreItem xmlns:ds="http://schemas.openxmlformats.org/officeDocument/2006/customXml" ds:itemID="{D7186F62-2954-471E-9368-38BF5704F41F}">
   <ds:schemaRefs>
-    <ds:schemaRef ds:uri="http://schemas.microsoft.com/sharepoint/v3"/>
-    <ds:schemaRef ds:uri="1913475e-a030-45ec-9e8a-a2630205b38f"/>
+    <ds:schemaRef ds:uri="0ae7057e-292f-4fd1-bead-5494e4c66c6d"/>
+    <ds:schemaRef ds:uri="http://schemas.openxmlformats.org/package/2006/metadata/core-properties"/>
     <ds:schemaRef ds:uri="http://purl.org/dc/elements/1.1/"/>
-    <ds:schemaRef ds:uri="http://schemas.microsoft.com/office/2006/documentManagement/types"/>
-    <ds:schemaRef ds:uri="http://purl.org/dc/terms/"/>
-    <ds:schemaRef ds:uri="http://www.w3.org/XML/1998/namespace"/>
     <ds:schemaRef ds:uri="http://purl.org/dc/dcmitype/"/>
     <ds:schemaRef ds:uri="http://schemas.microsoft.com/office/infopath/2007/PartnerControls"/>
-    <ds:schemaRef ds:uri="http://schemas.openxmlformats.org/package/2006/metadata/core-properties"/>
-    <ds:schemaRef ds:uri="0ae7057e-292f-4fd1-bead-5494e4c66c6d"/>
+    <ds:schemaRef ds:uri="http://purl.org/dc/terms/"/>
     <ds:schemaRef ds:uri="http://schemas.microsoft.com/office/2006/metadata/properties"/>
-  </ds:schemaRefs>
-</ds:datastoreItem>
-</file>
-
-<file path=customXml/itemProps3.xml><?xml version="1.0" encoding="utf-8"?>
-<ds:datastoreItem xmlns:ds="http://schemas.openxmlformats.org/officeDocument/2006/customXml" ds:itemID="{CA1AEAF9-C730-4098-99F1-230B2FED747B}">
-  <ds:schemaRefs>
-    <ds:schemaRef ds:uri="http://schemas.microsoft.com/sharepoint/v3/contenttype/forms"/>
+    <ds:schemaRef ds:uri="1913475e-a030-45ec-9e8a-a2630205b38f"/>
+    <ds:schemaRef ds:uri="http://schemas.microsoft.com/office/2006/documentManagement/types"/>
+    <ds:schemaRef ds:uri="http://schemas.microsoft.com/sharepoint/v3"/>
+    <ds:schemaRef ds:uri="http://www.w3.org/XML/1998/namespace"/>
   </ds:schemaRefs>
 </ds:datastoreItem>
 </file>